--- a/Presentation/DesignWorkshop neu.pptx
+++ b/Presentation/DesignWorkshop neu.pptx
@@ -813,6 +813,2815 @@
 </p:notes>
 </file>
 
+<file path=ppt/notesSlides/notesSlide4.xml><?xml version="1.0" encoding="utf-8"?>
+<p:notes xmlns:a="http://schemas.openxmlformats.org/drawingml/2006/main" xmlns:r="http://schemas.openxmlformats.org/officeDocument/2006/relationships" xmlns:p="http://schemas.openxmlformats.org/presentationml/2006/main">
+  <p:cSld>
+    <p:spTree>
+      <p:nvGrpSpPr>
+        <p:cNvPr id="1" name=""/>
+        <p:cNvGrpSpPr/>
+        <p:nvPr/>
+      </p:nvGrpSpPr>
+      <p:grpSpPr>
+        <a:xfrm>
+          <a:off x="0" y="0"/>
+          <a:ext cx="0" cy="0"/>
+          <a:chOff x="0" y="0"/>
+          <a:chExt cx="0" cy="0"/>
+        </a:xfrm>
+      </p:grpSpPr>
+      <p:sp>
+        <p:nvSpPr>
+          <p:cNvPr id="2" name="Folienbildplatzhalter 1"/>
+          <p:cNvSpPr>
+            <a:spLocks noGrp="1" noRot="1" noChangeAspect="1"/>
+          </p:cNvSpPr>
+          <p:nvPr>
+            <p:ph type="sldImg"/>
+          </p:nvPr>
+        </p:nvSpPr>
+        <p:spPr>
+          <a:xfrm>
+            <a:off x="381000" y="685800"/>
+            <a:ext cx="6096000" cy="3429000"/>
+          </a:xfrm>
+        </p:spPr>
+      </p:sp>
+      <p:sp>
+        <p:nvSpPr>
+          <p:cNvPr id="3" name="Notizenplatzhalter 2"/>
+          <p:cNvSpPr>
+            <a:spLocks noGrp="1"/>
+          </p:cNvSpPr>
+          <p:nvPr>
+            <p:ph type="body" idx="1"/>
+          </p:nvPr>
+        </p:nvSpPr>
+        <p:spPr/>
+        <p:txBody>
+          <a:bodyPr/>
+          <a:lstStyle/>
+          <a:p>
+            <a:endParaRPr lang="de-DE" dirty="0"/>
+          </a:p>
+          <a:p>
+            <a:r>
+              <a:rPr lang="de-DE" dirty="0" err="1"/>
+              <a:t>the</a:t>
+            </a:r>
+            <a:r>
+              <a:rPr lang="de-DE" dirty="0"/>
+              <a:t> </a:t>
+            </a:r>
+            <a:r>
+              <a:rPr lang="de-DE" dirty="0" err="1"/>
+              <a:t>basic</a:t>
+            </a:r>
+            <a:r>
+              <a:rPr lang="de-DE" dirty="0"/>
+              <a:t> </a:t>
+            </a:r>
+            <a:r>
+              <a:rPr lang="de-DE" dirty="0" err="1"/>
+              <a:t>functionality</a:t>
+            </a:r>
+            <a:r>
+              <a:rPr lang="de-DE" dirty="0"/>
+              <a:t> </a:t>
+            </a:r>
+            <a:r>
+              <a:rPr lang="de-DE" dirty="0" err="1"/>
+              <a:t>of</a:t>
+            </a:r>
+            <a:r>
+              <a:rPr lang="de-DE" dirty="0"/>
+              <a:t> </a:t>
+            </a:r>
+            <a:r>
+              <a:rPr lang="de-DE" dirty="0" err="1"/>
+              <a:t>our</a:t>
+            </a:r>
+            <a:r>
+              <a:rPr lang="de-DE" dirty="0"/>
+              <a:t> </a:t>
+            </a:r>
+            <a:r>
+              <a:rPr lang="de-DE" dirty="0" err="1"/>
+              <a:t>extractor</a:t>
+            </a:r>
+            <a:r>
+              <a:rPr lang="de-DE" dirty="0"/>
+              <a:t> </a:t>
+            </a:r>
+            <a:r>
+              <a:rPr lang="de-DE" dirty="0" err="1"/>
+              <a:t>is</a:t>
+            </a:r>
+            <a:r>
+              <a:rPr lang="de-DE" dirty="0"/>
+              <a:t> </a:t>
+            </a:r>
+            <a:r>
+              <a:rPr lang="de-DE" dirty="0" err="1"/>
+              <a:t>working</a:t>
+            </a:r>
+            <a:r>
+              <a:rPr lang="de-DE" dirty="0"/>
+              <a:t> but </a:t>
+            </a:r>
+            <a:r>
+              <a:rPr lang="de-DE" dirty="0" err="1"/>
+              <a:t>we</a:t>
+            </a:r>
+            <a:r>
+              <a:rPr lang="de-DE" dirty="0"/>
+              <a:t> </a:t>
+            </a:r>
+            <a:r>
+              <a:rPr lang="de-DE" dirty="0" err="1"/>
+              <a:t>are</a:t>
+            </a:r>
+            <a:r>
+              <a:rPr lang="de-DE" dirty="0"/>
+              <a:t> still </a:t>
+            </a:r>
+            <a:r>
+              <a:rPr lang="de-DE" dirty="0" err="1"/>
+              <a:t>tackling</a:t>
+            </a:r>
+            <a:r>
+              <a:rPr lang="de-DE" dirty="0"/>
+              <a:t> </a:t>
+            </a:r>
+            <a:r>
+              <a:rPr lang="de-DE" dirty="0" err="1"/>
+              <a:t>some</a:t>
+            </a:r>
+            <a:r>
+              <a:rPr lang="de-DE" dirty="0"/>
+              <a:t> </a:t>
+            </a:r>
+            <a:r>
+              <a:rPr lang="de-DE" dirty="0" err="1"/>
+              <a:t>major</a:t>
+            </a:r>
+            <a:r>
+              <a:rPr lang="de-DE" dirty="0"/>
+              <a:t> </a:t>
+            </a:r>
+            <a:r>
+              <a:rPr lang="de-DE" dirty="0" err="1"/>
+              <a:t>obstacles</a:t>
+            </a:r>
+            <a:endParaRPr lang="de-DE" dirty="0"/>
+          </a:p>
+          <a:p>
+            <a:endParaRPr lang="de-DE" dirty="0"/>
+          </a:p>
+          <a:p>
+            <a:pPr marL="0" marR="0" lvl="0" indent="0" defTabSz="449262" eaLnBrk="1" fontAlgn="auto" latinLnBrk="0" hangingPunct="1">
+              <a:lnSpc>
+                <a:spcPct val="100000"/>
+              </a:lnSpc>
+              <a:spcBef>
+                <a:spcPts val="400"/>
+              </a:spcBef>
+              <a:spcAft>
+                <a:spcPts val="0"/>
+              </a:spcAft>
+              <a:buClrTx/>
+              <a:buSzTx/>
+              <a:buFontTx/>
+              <a:buNone/>
+              <a:tabLst/>
+              <a:defRPr/>
+            </a:pPr>
+            <a:r>
+              <a:rPr lang="de-DE" dirty="0" err="1"/>
+              <a:t>Here</a:t>
+            </a:r>
+            <a:r>
+              <a:rPr lang="de-DE" dirty="0"/>
+              <a:t> </a:t>
+            </a:r>
+            <a:r>
+              <a:rPr lang="de-DE" dirty="0" err="1"/>
+              <a:t>you</a:t>
+            </a:r>
+            <a:r>
+              <a:rPr lang="de-DE" dirty="0"/>
+              <a:t> </a:t>
+            </a:r>
+            <a:r>
+              <a:rPr lang="de-DE" dirty="0" err="1"/>
+              <a:t>see</a:t>
+            </a:r>
+            <a:r>
+              <a:rPr lang="de-DE" dirty="0"/>
+              <a:t> an </a:t>
+            </a:r>
+            <a:r>
+              <a:rPr lang="de-DE" dirty="0" err="1"/>
+              <a:t>example</a:t>
+            </a:r>
+            <a:r>
+              <a:rPr lang="de-DE" dirty="0"/>
+              <a:t> </a:t>
+            </a:r>
+            <a:r>
+              <a:rPr lang="de-DE" dirty="0" err="1"/>
+              <a:t>of</a:t>
+            </a:r>
+            <a:r>
+              <a:rPr lang="de-DE" dirty="0"/>
+              <a:t> an Indexpage</a:t>
+            </a:r>
+          </a:p>
+          <a:p>
+            <a:endParaRPr lang="de-DE" dirty="0"/>
+          </a:p>
+          <a:p>
+            <a:endParaRPr lang="de-DE" dirty="0"/>
+          </a:p>
+          <a:p>
+            <a:r>
+              <a:rPr lang="de-DE" dirty="0" err="1"/>
+              <a:t>Firstly</a:t>
+            </a:r>
+            <a:r>
+              <a:rPr lang="de-DE" dirty="0"/>
+              <a:t>, </a:t>
+            </a:r>
+            <a:r>
+              <a:rPr lang="de-DE" dirty="0" err="1"/>
+              <a:t>as</a:t>
+            </a:r>
+            <a:r>
+              <a:rPr lang="de-DE" dirty="0"/>
+              <a:t> </a:t>
+            </a:r>
+            <a:r>
+              <a:rPr lang="de-DE" dirty="0" err="1"/>
+              <a:t>you</a:t>
+            </a:r>
+            <a:r>
+              <a:rPr lang="de-DE" dirty="0"/>
+              <a:t> </a:t>
+            </a:r>
+            <a:r>
+              <a:rPr lang="de-DE" dirty="0" err="1"/>
+              <a:t>have</a:t>
+            </a:r>
+            <a:r>
+              <a:rPr lang="de-DE" dirty="0"/>
+              <a:t> just </a:t>
+            </a:r>
+            <a:r>
+              <a:rPr lang="de-DE" dirty="0" err="1"/>
+              <a:t>seen</a:t>
+            </a:r>
+            <a:r>
+              <a:rPr lang="de-DE" dirty="0"/>
+              <a:t> </a:t>
+            </a:r>
+            <a:r>
+              <a:rPr lang="de-DE" dirty="0" err="1"/>
+              <a:t>curently</a:t>
+            </a:r>
+            <a:r>
+              <a:rPr lang="de-DE" dirty="0"/>
+              <a:t> </a:t>
+            </a:r>
+            <a:r>
+              <a:rPr lang="de-DE" dirty="0" err="1"/>
+              <a:t>we</a:t>
+            </a:r>
+            <a:r>
+              <a:rPr lang="de-DE" dirty="0"/>
+              <a:t> </a:t>
+            </a:r>
+            <a:r>
+              <a:rPr lang="de-DE" dirty="0" err="1"/>
+              <a:t>are</a:t>
+            </a:r>
+            <a:r>
+              <a:rPr lang="de-DE" dirty="0"/>
+              <a:t> </a:t>
+            </a:r>
+            <a:r>
+              <a:rPr lang="de-DE" dirty="0" err="1"/>
+              <a:t>manually</a:t>
+            </a:r>
+            <a:r>
+              <a:rPr lang="de-DE" dirty="0"/>
+              <a:t> </a:t>
+            </a:r>
+            <a:r>
+              <a:rPr lang="de-DE" dirty="0" err="1"/>
+              <a:t>inserting</a:t>
+            </a:r>
+            <a:r>
+              <a:rPr lang="de-DE" dirty="0"/>
+              <a:t> </a:t>
+            </a:r>
+            <a:r>
+              <a:rPr lang="de-DE" dirty="0" err="1"/>
+              <a:t>the</a:t>
+            </a:r>
+            <a:r>
+              <a:rPr lang="de-DE" dirty="0"/>
+              <a:t> </a:t>
+            </a:r>
+            <a:r>
+              <a:rPr lang="de-DE" dirty="0" err="1"/>
+              <a:t>page</a:t>
+            </a:r>
+            <a:r>
+              <a:rPr lang="de-DE" dirty="0"/>
+              <a:t> </a:t>
+            </a:r>
+            <a:r>
+              <a:rPr lang="de-DE" dirty="0" err="1"/>
+              <a:t>range</a:t>
+            </a:r>
+            <a:r>
+              <a:rPr lang="de-DE" dirty="0"/>
+              <a:t> </a:t>
+            </a:r>
+            <a:r>
+              <a:rPr lang="de-DE" dirty="0" err="1"/>
+              <a:t>of</a:t>
+            </a:r>
+            <a:r>
+              <a:rPr lang="de-DE" dirty="0"/>
+              <a:t> </a:t>
+            </a:r>
+            <a:r>
+              <a:rPr lang="de-DE" dirty="0" err="1"/>
+              <a:t>the</a:t>
+            </a:r>
+            <a:r>
+              <a:rPr lang="de-DE" dirty="0"/>
+              <a:t> Index. </a:t>
+            </a:r>
+            <a:r>
+              <a:rPr lang="de-DE" dirty="0" err="1"/>
+              <a:t>While</a:t>
+            </a:r>
+            <a:r>
+              <a:rPr lang="de-DE" dirty="0"/>
+              <a:t> </a:t>
+            </a:r>
+            <a:r>
+              <a:rPr lang="de-DE" dirty="0" err="1"/>
+              <a:t>this</a:t>
+            </a:r>
+            <a:r>
+              <a:rPr lang="de-DE" dirty="0"/>
+              <a:t> </a:t>
+            </a:r>
+            <a:r>
+              <a:rPr lang="de-DE" dirty="0" err="1"/>
+              <a:t>could</a:t>
+            </a:r>
+            <a:r>
+              <a:rPr lang="de-DE" dirty="0"/>
+              <a:t> </a:t>
+            </a:r>
+            <a:r>
+              <a:rPr lang="de-DE" dirty="0" err="1"/>
+              <a:t>be</a:t>
+            </a:r>
+            <a:r>
+              <a:rPr lang="de-DE" dirty="0"/>
+              <a:t> </a:t>
+            </a:r>
+            <a:r>
+              <a:rPr lang="de-DE" dirty="0" err="1"/>
+              <a:t>done</a:t>
+            </a:r>
+            <a:r>
+              <a:rPr lang="de-DE" dirty="0"/>
+              <a:t> via a </a:t>
+            </a:r>
+            <a:r>
+              <a:rPr lang="de-DE" dirty="0" err="1"/>
+              <a:t>json</a:t>
+            </a:r>
+            <a:r>
+              <a:rPr lang="de-DE" dirty="0"/>
+              <a:t> </a:t>
+            </a:r>
+            <a:r>
+              <a:rPr lang="de-DE" dirty="0" err="1"/>
+              <a:t>config</a:t>
+            </a:r>
+            <a:r>
+              <a:rPr lang="de-DE" dirty="0"/>
+              <a:t> </a:t>
+            </a:r>
+            <a:r>
+              <a:rPr lang="de-DE" dirty="0" err="1"/>
+              <a:t>for</a:t>
+            </a:r>
+            <a:r>
+              <a:rPr lang="de-DE" dirty="0"/>
+              <a:t> </a:t>
+            </a:r>
+            <a:r>
+              <a:rPr lang="de-DE" dirty="0" err="1"/>
+              <a:t>every</a:t>
+            </a:r>
+            <a:r>
+              <a:rPr lang="de-DE" dirty="0"/>
+              <a:t> </a:t>
+            </a:r>
+            <a:r>
+              <a:rPr lang="de-DE" dirty="0" err="1"/>
+              <a:t>book</a:t>
+            </a:r>
+            <a:r>
+              <a:rPr lang="de-DE" dirty="0"/>
+              <a:t> </a:t>
+            </a:r>
+            <a:r>
+              <a:rPr lang="de-DE" dirty="0" err="1"/>
+              <a:t>the</a:t>
+            </a:r>
+            <a:r>
+              <a:rPr lang="de-DE" dirty="0"/>
+              <a:t> </a:t>
+            </a:r>
+            <a:r>
+              <a:rPr lang="de-DE" dirty="0" err="1"/>
+              <a:t>goal</a:t>
+            </a:r>
+            <a:r>
+              <a:rPr lang="de-DE" dirty="0"/>
+              <a:t> </a:t>
+            </a:r>
+            <a:r>
+              <a:rPr lang="de-DE" dirty="0" err="1"/>
+              <a:t>is</a:t>
+            </a:r>
+            <a:r>
+              <a:rPr lang="de-DE" dirty="0"/>
+              <a:t> </a:t>
+            </a:r>
+            <a:r>
+              <a:rPr lang="de-DE" dirty="0" err="1"/>
+              <a:t>to</a:t>
+            </a:r>
+            <a:r>
+              <a:rPr lang="de-DE" dirty="0"/>
+              <a:t> </a:t>
+            </a:r>
+            <a:r>
+              <a:rPr lang="de-DE" dirty="0" err="1"/>
+              <a:t>automate</a:t>
+            </a:r>
+            <a:r>
+              <a:rPr lang="de-DE" dirty="0"/>
+              <a:t> </a:t>
+            </a:r>
+            <a:r>
+              <a:rPr lang="de-DE" dirty="0" err="1"/>
+              <a:t>the</a:t>
+            </a:r>
+            <a:r>
+              <a:rPr lang="de-DE" dirty="0"/>
+              <a:t> </a:t>
+            </a:r>
+            <a:r>
+              <a:rPr lang="de-DE" dirty="0" err="1"/>
+              <a:t>process</a:t>
+            </a:r>
+            <a:r>
+              <a:rPr lang="de-DE" dirty="0"/>
+              <a:t> </a:t>
+            </a:r>
+            <a:r>
+              <a:rPr lang="de-DE" dirty="0" err="1"/>
+              <a:t>as</a:t>
+            </a:r>
+            <a:r>
+              <a:rPr lang="de-DE" dirty="0"/>
+              <a:t> </a:t>
+            </a:r>
+            <a:r>
+              <a:rPr lang="de-DE" dirty="0" err="1"/>
+              <a:t>much</a:t>
+            </a:r>
+            <a:r>
+              <a:rPr lang="de-DE" dirty="0"/>
+              <a:t> </a:t>
+            </a:r>
+            <a:r>
+              <a:rPr lang="de-DE" dirty="0" err="1"/>
+              <a:t>as</a:t>
+            </a:r>
+            <a:r>
+              <a:rPr lang="de-DE" dirty="0"/>
+              <a:t> </a:t>
+            </a:r>
+            <a:r>
+              <a:rPr lang="de-DE" dirty="0" err="1"/>
+              <a:t>possible</a:t>
+            </a:r>
+            <a:r>
+              <a:rPr lang="de-DE" dirty="0"/>
+              <a:t>.</a:t>
+            </a:r>
+            <a:br>
+              <a:rPr lang="de-DE" dirty="0"/>
+            </a:br>
+            <a:r>
+              <a:rPr lang="de-DE" dirty="0" err="1"/>
+              <a:t>To</a:t>
+            </a:r>
+            <a:r>
+              <a:rPr lang="de-DE" dirty="0"/>
+              <a:t> </a:t>
+            </a:r>
+            <a:r>
+              <a:rPr lang="de-DE" dirty="0" err="1"/>
+              <a:t>solve</a:t>
+            </a:r>
+            <a:r>
+              <a:rPr lang="de-DE" dirty="0"/>
+              <a:t> </a:t>
+            </a:r>
+            <a:r>
+              <a:rPr lang="de-DE" dirty="0" err="1"/>
+              <a:t>this</a:t>
+            </a:r>
+            <a:r>
+              <a:rPr lang="de-DE" dirty="0"/>
+              <a:t> </a:t>
+            </a:r>
+            <a:r>
+              <a:rPr lang="de-DE" dirty="0" err="1"/>
+              <a:t>we</a:t>
+            </a:r>
+            <a:r>
+              <a:rPr lang="de-DE" dirty="0"/>
+              <a:t> </a:t>
+            </a:r>
+            <a:r>
+              <a:rPr lang="de-DE" dirty="0" err="1"/>
+              <a:t>want</a:t>
+            </a:r>
+            <a:r>
+              <a:rPr lang="de-DE" dirty="0"/>
+              <a:t> </a:t>
+            </a:r>
+            <a:r>
+              <a:rPr lang="de-DE" dirty="0" err="1"/>
+              <a:t>to</a:t>
+            </a:r>
+            <a:r>
+              <a:rPr lang="de-DE" dirty="0"/>
+              <a:t> </a:t>
+            </a:r>
+            <a:r>
+              <a:rPr lang="de-DE" dirty="0" err="1"/>
+              <a:t>utilize</a:t>
+            </a:r>
+            <a:r>
+              <a:rPr lang="de-DE" dirty="0"/>
+              <a:t> a </a:t>
+            </a:r>
+            <a:r>
+              <a:rPr lang="de-DE" dirty="0" err="1"/>
+              <a:t>text</a:t>
+            </a:r>
+            <a:r>
+              <a:rPr lang="de-DE" dirty="0"/>
+              <a:t> </a:t>
+            </a:r>
+            <a:r>
+              <a:rPr lang="de-DE" dirty="0" err="1"/>
+              <a:t>classifier</a:t>
+            </a:r>
+            <a:r>
+              <a:rPr lang="de-DE" dirty="0"/>
+              <a:t> </a:t>
+            </a:r>
+            <a:r>
+              <a:rPr lang="de-DE" dirty="0" err="1"/>
+              <a:t>to</a:t>
+            </a:r>
+            <a:r>
+              <a:rPr lang="de-DE" dirty="0"/>
+              <a:t> </a:t>
+            </a:r>
+            <a:r>
+              <a:rPr lang="de-DE" dirty="0" err="1"/>
+              <a:t>identify</a:t>
+            </a:r>
+            <a:r>
+              <a:rPr lang="de-DE" dirty="0"/>
+              <a:t> </a:t>
+            </a:r>
+            <a:r>
+              <a:rPr lang="de-DE" dirty="0" err="1"/>
+              <a:t>index</a:t>
+            </a:r>
+            <a:r>
+              <a:rPr lang="de-DE" dirty="0"/>
+              <a:t> </a:t>
+            </a:r>
+            <a:r>
+              <a:rPr lang="de-DE" dirty="0" err="1"/>
+              <a:t>pages</a:t>
+            </a:r>
+            <a:r>
+              <a:rPr lang="de-DE" dirty="0"/>
+              <a:t> in </a:t>
+            </a:r>
+            <a:r>
+              <a:rPr lang="de-DE" dirty="0" err="1"/>
+              <a:t>contrast</a:t>
+            </a:r>
+            <a:r>
+              <a:rPr lang="de-DE" dirty="0"/>
+              <a:t> </a:t>
+            </a:r>
+            <a:r>
+              <a:rPr lang="de-DE" dirty="0" err="1"/>
+              <a:t>to</a:t>
+            </a:r>
+            <a:r>
+              <a:rPr lang="de-DE" dirty="0"/>
+              <a:t> </a:t>
+            </a:r>
+            <a:r>
+              <a:rPr lang="de-DE" dirty="0" err="1"/>
+              <a:t>the</a:t>
+            </a:r>
+            <a:r>
+              <a:rPr lang="de-DE" dirty="0"/>
+              <a:t> </a:t>
+            </a:r>
+            <a:r>
+              <a:rPr lang="de-DE" dirty="0" err="1"/>
+              <a:t>rest</a:t>
+            </a:r>
+            <a:r>
+              <a:rPr lang="de-DE" dirty="0"/>
+              <a:t> </a:t>
+            </a:r>
+            <a:r>
+              <a:rPr lang="de-DE" dirty="0" err="1"/>
+              <a:t>of</a:t>
+            </a:r>
+            <a:r>
+              <a:rPr lang="de-DE" dirty="0"/>
+              <a:t> </a:t>
+            </a:r>
+            <a:r>
+              <a:rPr lang="de-DE" dirty="0" err="1"/>
+              <a:t>the</a:t>
+            </a:r>
+            <a:r>
+              <a:rPr lang="de-DE" dirty="0"/>
+              <a:t> </a:t>
+            </a:r>
+            <a:r>
+              <a:rPr lang="de-DE" dirty="0" err="1"/>
+              <a:t>book</a:t>
+            </a:r>
+            <a:r>
+              <a:rPr lang="de-DE" dirty="0"/>
+              <a:t>,</a:t>
+            </a:r>
+          </a:p>
+          <a:p>
+            <a:endParaRPr lang="de-DE" dirty="0"/>
+          </a:p>
+          <a:p>
+            <a:r>
+              <a:rPr lang="de-DE" dirty="0"/>
+              <a:t>The </a:t>
+            </a:r>
+            <a:r>
+              <a:rPr lang="de-DE" dirty="0" err="1"/>
+              <a:t>next</a:t>
+            </a:r>
+            <a:r>
+              <a:rPr lang="de-DE" dirty="0"/>
+              <a:t> </a:t>
+            </a:r>
+            <a:r>
+              <a:rPr lang="de-DE" dirty="0" err="1"/>
+              <a:t>two</a:t>
+            </a:r>
+            <a:r>
+              <a:rPr lang="de-DE" dirty="0"/>
+              <a:t> </a:t>
+            </a:r>
+            <a:r>
+              <a:rPr lang="de-DE" dirty="0" err="1"/>
+              <a:t>issues</a:t>
+            </a:r>
+            <a:r>
+              <a:rPr lang="de-DE" dirty="0"/>
+              <a:t> </a:t>
+            </a:r>
+            <a:r>
+              <a:rPr lang="de-DE" dirty="0" err="1"/>
+              <a:t>are</a:t>
+            </a:r>
+            <a:r>
+              <a:rPr lang="de-DE" dirty="0"/>
+              <a:t> </a:t>
+            </a:r>
+            <a:r>
+              <a:rPr lang="de-DE" dirty="0" err="1"/>
+              <a:t>founded</a:t>
+            </a:r>
+            <a:r>
+              <a:rPr lang="de-DE" dirty="0"/>
+              <a:t> in </a:t>
+            </a:r>
+            <a:r>
+              <a:rPr lang="de-DE" dirty="0" err="1"/>
+              <a:t>the</a:t>
+            </a:r>
+            <a:r>
+              <a:rPr lang="de-DE" dirty="0"/>
+              <a:t> </a:t>
+            </a:r>
+            <a:r>
+              <a:rPr lang="de-DE" dirty="0" err="1"/>
+              <a:t>extraction</a:t>
+            </a:r>
+            <a:r>
+              <a:rPr lang="de-DE" dirty="0"/>
+              <a:t> </a:t>
+            </a:r>
+            <a:r>
+              <a:rPr lang="de-DE" dirty="0" err="1"/>
+              <a:t>of</a:t>
+            </a:r>
+            <a:r>
+              <a:rPr lang="de-DE" dirty="0"/>
+              <a:t> </a:t>
+            </a:r>
+            <a:r>
+              <a:rPr lang="de-DE" dirty="0" err="1"/>
+              <a:t>information</a:t>
+            </a:r>
+            <a:r>
+              <a:rPr lang="de-DE" dirty="0"/>
+              <a:t> </a:t>
+            </a:r>
+            <a:r>
+              <a:rPr lang="de-DE" dirty="0" err="1"/>
+              <a:t>from</a:t>
+            </a:r>
+            <a:r>
+              <a:rPr lang="de-DE" dirty="0"/>
+              <a:t> </a:t>
+            </a:r>
+            <a:r>
+              <a:rPr lang="de-DE" dirty="0" err="1"/>
+              <a:t>the</a:t>
+            </a:r>
+            <a:r>
+              <a:rPr lang="de-DE" dirty="0"/>
+              <a:t> </a:t>
+            </a:r>
+            <a:r>
+              <a:rPr lang="de-DE" dirty="0" err="1"/>
+              <a:t>pdf</a:t>
+            </a:r>
+            <a:r>
+              <a:rPr lang="de-DE" dirty="0"/>
+              <a:t> </a:t>
+            </a:r>
+            <a:r>
+              <a:rPr lang="de-DE" dirty="0" err="1"/>
+              <a:t>files</a:t>
+            </a:r>
+            <a:r>
+              <a:rPr lang="de-DE" dirty="0"/>
+              <a:t>.</a:t>
+            </a:r>
+            <a:br>
+              <a:rPr lang="de-DE" dirty="0"/>
+            </a:br>
+            <a:r>
+              <a:rPr lang="de-DE" dirty="0"/>
+              <a:t>First </a:t>
+            </a:r>
+            <a:r>
+              <a:rPr lang="de-DE" dirty="0" err="1"/>
+              <a:t>our</a:t>
+            </a:r>
+            <a:r>
+              <a:rPr lang="de-DE" dirty="0"/>
+              <a:t> </a:t>
+            </a:r>
+            <a:r>
+              <a:rPr lang="de-DE" dirty="0" err="1"/>
+              <a:t>current</a:t>
+            </a:r>
+            <a:r>
+              <a:rPr lang="de-DE" dirty="0"/>
+              <a:t> </a:t>
+            </a:r>
+            <a:r>
+              <a:rPr lang="de-DE" dirty="0" err="1"/>
+              <a:t>extractor</a:t>
+            </a:r>
+            <a:r>
+              <a:rPr lang="de-DE" dirty="0"/>
+              <a:t> </a:t>
+            </a:r>
+            <a:r>
+              <a:rPr lang="de-DE" dirty="0" err="1"/>
+              <a:t>extracts</a:t>
+            </a:r>
+            <a:r>
+              <a:rPr lang="de-DE" dirty="0"/>
+              <a:t> just </a:t>
+            </a:r>
+            <a:r>
+              <a:rPr lang="de-DE" dirty="0" err="1"/>
+              <a:t>the</a:t>
+            </a:r>
+            <a:r>
+              <a:rPr lang="de-DE" dirty="0"/>
+              <a:t> </a:t>
+            </a:r>
+            <a:r>
+              <a:rPr lang="de-DE" dirty="0" err="1"/>
+              <a:t>plain</a:t>
+            </a:r>
+            <a:r>
+              <a:rPr lang="de-DE" dirty="0"/>
+              <a:t> </a:t>
+            </a:r>
+            <a:r>
+              <a:rPr lang="de-DE" dirty="0" err="1"/>
+              <a:t>text</a:t>
+            </a:r>
+            <a:r>
+              <a:rPr lang="de-DE" dirty="0"/>
+              <a:t> </a:t>
+            </a:r>
+            <a:r>
+              <a:rPr lang="de-DE" dirty="0" err="1"/>
+              <a:t>content</a:t>
+            </a:r>
+            <a:r>
+              <a:rPr lang="de-DE" dirty="0"/>
+              <a:t> </a:t>
+            </a:r>
+            <a:r>
+              <a:rPr lang="de-DE" dirty="0" err="1"/>
+              <a:t>of</a:t>
+            </a:r>
+            <a:r>
+              <a:rPr lang="de-DE" dirty="0"/>
+              <a:t> </a:t>
+            </a:r>
+            <a:r>
+              <a:rPr lang="de-DE" dirty="0" err="1"/>
+              <a:t>the</a:t>
+            </a:r>
+            <a:r>
+              <a:rPr lang="de-DE" dirty="0"/>
+              <a:t> </a:t>
+            </a:r>
+            <a:r>
+              <a:rPr lang="de-DE" dirty="0" err="1"/>
+              <a:t>pdf</a:t>
+            </a:r>
+            <a:r>
+              <a:rPr lang="de-DE" dirty="0"/>
+              <a:t> </a:t>
+            </a:r>
+            <a:r>
+              <a:rPr lang="de-DE" dirty="0" err="1"/>
+              <a:t>file</a:t>
+            </a:r>
+            <a:r>
+              <a:rPr lang="de-DE" dirty="0"/>
+              <a:t> </a:t>
+            </a:r>
+            <a:r>
+              <a:rPr lang="de-DE" dirty="0" err="1"/>
+              <a:t>including</a:t>
+            </a:r>
+            <a:r>
+              <a:rPr lang="de-DE" dirty="0"/>
+              <a:t> </a:t>
+            </a:r>
+            <a:r>
+              <a:rPr lang="de-DE" dirty="0" err="1"/>
+              <a:t>footer</a:t>
+            </a:r>
+            <a:r>
+              <a:rPr lang="de-DE" dirty="0"/>
+              <a:t>, </a:t>
+            </a:r>
+            <a:r>
+              <a:rPr lang="de-DE" dirty="0" err="1"/>
+              <a:t>header</a:t>
+            </a:r>
+            <a:r>
+              <a:rPr lang="de-DE" dirty="0"/>
+              <a:t>, </a:t>
+            </a:r>
+            <a:r>
+              <a:rPr lang="de-DE" dirty="0" err="1"/>
+              <a:t>pagenumber</a:t>
+            </a:r>
+            <a:r>
+              <a:rPr lang="de-DE" dirty="0"/>
+              <a:t> </a:t>
+            </a:r>
+            <a:r>
+              <a:rPr lang="de-DE" dirty="0" err="1"/>
+              <a:t>and</a:t>
+            </a:r>
+            <a:r>
+              <a:rPr lang="de-DE" dirty="0"/>
+              <a:t> </a:t>
+            </a:r>
+            <a:r>
+              <a:rPr lang="de-DE" dirty="0" err="1"/>
+              <a:t>content</a:t>
+            </a:r>
+            <a:r>
+              <a:rPr lang="de-DE" dirty="0"/>
+              <a:t> </a:t>
+            </a:r>
+            <a:r>
+              <a:rPr lang="de-DE" dirty="0" err="1"/>
+              <a:t>that</a:t>
+            </a:r>
+            <a:r>
+              <a:rPr lang="de-DE" dirty="0"/>
+              <a:t> </a:t>
+            </a:r>
+            <a:r>
+              <a:rPr lang="de-DE" dirty="0" err="1"/>
+              <a:t>does</a:t>
+            </a:r>
+            <a:r>
+              <a:rPr lang="de-DE" dirty="0"/>
+              <a:t> not </a:t>
+            </a:r>
+            <a:r>
+              <a:rPr lang="de-DE" dirty="0" err="1"/>
+              <a:t>concern</a:t>
+            </a:r>
+            <a:r>
+              <a:rPr lang="de-DE" dirty="0"/>
+              <a:t> </a:t>
+            </a:r>
+            <a:r>
+              <a:rPr lang="de-DE" dirty="0" err="1"/>
+              <a:t>us</a:t>
+            </a:r>
+            <a:r>
+              <a:rPr lang="de-DE" dirty="0"/>
+              <a:t> like </a:t>
+            </a:r>
+            <a:r>
+              <a:rPr lang="de-DE" dirty="0" err="1"/>
+              <a:t>headlines</a:t>
+            </a:r>
+            <a:endParaRPr lang="de-DE" dirty="0"/>
+          </a:p>
+          <a:p>
+            <a:r>
+              <a:rPr lang="de-DE" dirty="0" err="1"/>
+              <a:t>Secondly</a:t>
+            </a:r>
+            <a:r>
+              <a:rPr lang="de-DE" dirty="0"/>
+              <a:t> </a:t>
+            </a:r>
+            <a:r>
+              <a:rPr lang="de-DE" dirty="0" err="1"/>
+              <a:t>there</a:t>
+            </a:r>
+            <a:r>
+              <a:rPr lang="de-DE" dirty="0"/>
+              <a:t> </a:t>
+            </a:r>
+            <a:r>
+              <a:rPr lang="de-DE" dirty="0" err="1"/>
+              <a:t>might</a:t>
+            </a:r>
+            <a:r>
+              <a:rPr lang="de-DE" dirty="0"/>
+              <a:t> </a:t>
+            </a:r>
+            <a:r>
+              <a:rPr lang="de-DE" dirty="0" err="1"/>
+              <a:t>be</a:t>
+            </a:r>
+            <a:r>
+              <a:rPr lang="de-DE" dirty="0"/>
+              <a:t> </a:t>
+            </a:r>
+            <a:r>
+              <a:rPr lang="de-DE" dirty="0" err="1"/>
+              <a:t>subphrases</a:t>
+            </a:r>
+            <a:r>
+              <a:rPr lang="de-DE" dirty="0"/>
+              <a:t> </a:t>
+            </a:r>
+            <a:r>
+              <a:rPr lang="de-DE" dirty="0" err="1"/>
+              <a:t>to</a:t>
+            </a:r>
+            <a:r>
+              <a:rPr lang="de-DE" dirty="0"/>
+              <a:t> an </a:t>
+            </a:r>
+            <a:r>
+              <a:rPr lang="de-DE" dirty="0" err="1"/>
+              <a:t>entry</a:t>
+            </a:r>
+            <a:r>
+              <a:rPr lang="de-DE" dirty="0"/>
+              <a:t> like in </a:t>
+            </a:r>
+            <a:r>
+              <a:rPr lang="de-DE" dirty="0" err="1"/>
+              <a:t>this</a:t>
+            </a:r>
+            <a:r>
+              <a:rPr lang="de-DE" dirty="0"/>
+              <a:t> </a:t>
+            </a:r>
+            <a:r>
+              <a:rPr lang="de-DE" dirty="0" err="1"/>
+              <a:t>example</a:t>
+            </a:r>
+            <a:r>
+              <a:rPr lang="de-DE" dirty="0"/>
+              <a:t> </a:t>
+            </a:r>
+            <a:r>
+              <a:rPr lang="de-DE" dirty="0" err="1"/>
+              <a:t>we</a:t>
+            </a:r>
+            <a:r>
+              <a:rPr lang="de-DE" dirty="0"/>
+              <a:t> </a:t>
+            </a:r>
+            <a:r>
+              <a:rPr lang="de-DE" dirty="0" err="1"/>
+              <a:t>want</a:t>
+            </a:r>
+            <a:r>
+              <a:rPr lang="de-DE" dirty="0"/>
+              <a:t> </a:t>
+            </a:r>
+            <a:r>
+              <a:rPr lang="de-DE" dirty="0" err="1"/>
+              <a:t>to</a:t>
+            </a:r>
+            <a:r>
+              <a:rPr lang="de-DE" dirty="0"/>
+              <a:t> </a:t>
+            </a:r>
+            <a:r>
+              <a:rPr lang="de-DE" dirty="0" err="1"/>
+              <a:t>extract</a:t>
+            </a:r>
+            <a:r>
+              <a:rPr lang="de-DE" dirty="0"/>
+              <a:t> </a:t>
+            </a:r>
+            <a:r>
+              <a:rPr lang="de-DE" dirty="0" err="1"/>
+              <a:t>algebraically</a:t>
+            </a:r>
+            <a:r>
+              <a:rPr lang="de-DE" dirty="0"/>
+              <a:t> </a:t>
+            </a:r>
+            <a:r>
+              <a:rPr lang="de-DE" dirty="0" err="1"/>
+              <a:t>closed</a:t>
+            </a:r>
+            <a:r>
+              <a:rPr lang="de-DE" dirty="0"/>
+              <a:t> Field </a:t>
+            </a:r>
+            <a:r>
+              <a:rPr lang="de-DE" dirty="0" err="1"/>
+              <a:t>instead</a:t>
+            </a:r>
+            <a:r>
+              <a:rPr lang="de-DE" dirty="0"/>
+              <a:t> </a:t>
+            </a:r>
+            <a:r>
+              <a:rPr lang="de-DE" dirty="0" err="1"/>
+              <a:t>of</a:t>
+            </a:r>
+            <a:r>
+              <a:rPr lang="de-DE" dirty="0"/>
+              <a:t> </a:t>
+            </a:r>
+            <a:r>
+              <a:rPr lang="de-DE" dirty="0" err="1"/>
+              <a:t>algebrabraically</a:t>
+            </a:r>
+            <a:r>
+              <a:rPr lang="de-DE" dirty="0"/>
+              <a:t> </a:t>
+            </a:r>
+            <a:r>
+              <a:rPr lang="de-DE" dirty="0" err="1"/>
+              <a:t>closed</a:t>
+            </a:r>
+            <a:r>
+              <a:rPr lang="de-DE" dirty="0"/>
+              <a:t> </a:t>
+            </a:r>
+            <a:r>
+              <a:rPr lang="de-DE" dirty="0" err="1"/>
+              <a:t>as</a:t>
+            </a:r>
+            <a:r>
+              <a:rPr lang="de-DE" dirty="0"/>
+              <a:t> an individual </a:t>
+            </a:r>
+            <a:r>
+              <a:rPr lang="de-DE" dirty="0" err="1"/>
+              <a:t>entry</a:t>
+            </a:r>
+            <a:r>
+              <a:rPr lang="de-DE" dirty="0"/>
+              <a:t>.</a:t>
+            </a:r>
+          </a:p>
+          <a:p>
+            <a:r>
+              <a:rPr lang="de-DE" dirty="0"/>
+              <a:t>This also </a:t>
+            </a:r>
+            <a:r>
+              <a:rPr lang="de-DE" dirty="0" err="1"/>
+              <a:t>entails</a:t>
+            </a:r>
+            <a:r>
+              <a:rPr lang="de-DE" dirty="0"/>
+              <a:t> </a:t>
+            </a:r>
+            <a:r>
+              <a:rPr lang="de-DE" dirty="0" err="1"/>
+              <a:t>more</a:t>
+            </a:r>
+            <a:r>
+              <a:rPr lang="de-DE" dirty="0"/>
+              <a:t> </a:t>
+            </a:r>
+            <a:r>
+              <a:rPr lang="de-DE" dirty="0" err="1"/>
+              <a:t>issues</a:t>
+            </a:r>
+            <a:r>
+              <a:rPr lang="de-DE" dirty="0"/>
+              <a:t> </a:t>
+            </a:r>
+            <a:r>
+              <a:rPr lang="de-DE" dirty="0" err="1"/>
+              <a:t>as</a:t>
+            </a:r>
+            <a:r>
+              <a:rPr lang="de-DE" dirty="0"/>
+              <a:t> </a:t>
+            </a:r>
+            <a:r>
+              <a:rPr lang="de-DE" dirty="0" err="1"/>
+              <a:t>there</a:t>
+            </a:r>
+            <a:r>
+              <a:rPr lang="de-DE" dirty="0"/>
+              <a:t> </a:t>
+            </a:r>
+            <a:r>
+              <a:rPr lang="de-DE" dirty="0" err="1"/>
+              <a:t>are</a:t>
+            </a:r>
+            <a:r>
+              <a:rPr lang="de-DE" dirty="0"/>
+              <a:t> different </a:t>
+            </a:r>
+            <a:r>
+              <a:rPr lang="de-DE" dirty="0" err="1"/>
+              <a:t>subentries</a:t>
+            </a:r>
+            <a:r>
+              <a:rPr lang="de-DE" dirty="0"/>
+              <a:t> </a:t>
+            </a:r>
+            <a:r>
+              <a:rPr lang="de-DE" dirty="0" err="1"/>
+              <a:t>that</a:t>
+            </a:r>
+            <a:r>
+              <a:rPr lang="de-DE" dirty="0"/>
+              <a:t> </a:t>
+            </a:r>
+            <a:r>
+              <a:rPr lang="de-DE" dirty="0" err="1"/>
+              <a:t>either</a:t>
+            </a:r>
+            <a:r>
+              <a:rPr lang="de-DE" dirty="0"/>
+              <a:t> </a:t>
+            </a:r>
+            <a:r>
+              <a:rPr lang="de-DE" dirty="0" err="1"/>
+              <a:t>precede</a:t>
+            </a:r>
+            <a:r>
+              <a:rPr lang="de-DE" dirty="0"/>
+              <a:t> </a:t>
+            </a:r>
+            <a:r>
+              <a:rPr lang="de-DE" dirty="0" err="1"/>
+              <a:t>or</a:t>
+            </a:r>
+            <a:r>
+              <a:rPr lang="de-DE" dirty="0"/>
+              <a:t> </a:t>
+            </a:r>
+            <a:r>
+              <a:rPr lang="de-DE" dirty="0" err="1"/>
+              <a:t>succeed</a:t>
+            </a:r>
+            <a:r>
+              <a:rPr lang="de-DE" dirty="0"/>
+              <a:t> </a:t>
+            </a:r>
+            <a:r>
+              <a:rPr lang="de-DE" dirty="0" err="1"/>
+              <a:t>the</a:t>
+            </a:r>
+            <a:r>
+              <a:rPr lang="de-DE" dirty="0"/>
+              <a:t> </a:t>
+            </a:r>
+            <a:r>
+              <a:rPr lang="de-DE" dirty="0" err="1"/>
+              <a:t>parent</a:t>
+            </a:r>
+            <a:r>
+              <a:rPr lang="de-DE" dirty="0"/>
+              <a:t> </a:t>
+            </a:r>
+            <a:r>
+              <a:rPr lang="de-DE" dirty="0" err="1"/>
+              <a:t>phrase</a:t>
+            </a:r>
+            <a:r>
+              <a:rPr lang="de-DE" dirty="0"/>
+              <a:t>. Also </a:t>
+            </a:r>
+            <a:r>
+              <a:rPr lang="de-DE" dirty="0" err="1"/>
+              <a:t>as</a:t>
+            </a:r>
+            <a:r>
+              <a:rPr lang="de-DE" dirty="0"/>
+              <a:t> </a:t>
+            </a:r>
+            <a:r>
+              <a:rPr lang="de-DE" dirty="0" err="1"/>
+              <a:t>seen</a:t>
+            </a:r>
+            <a:r>
+              <a:rPr lang="de-DE" dirty="0"/>
+              <a:t> in </a:t>
+            </a:r>
+            <a:r>
+              <a:rPr lang="de-DE" dirty="0" err="1"/>
+              <a:t>the</a:t>
+            </a:r>
+            <a:r>
+              <a:rPr lang="de-DE" dirty="0"/>
+              <a:t> </a:t>
+            </a:r>
+            <a:r>
+              <a:rPr lang="de-DE" dirty="0" err="1"/>
+              <a:t>given</a:t>
+            </a:r>
+            <a:r>
+              <a:rPr lang="de-DE" dirty="0"/>
+              <a:t> </a:t>
+            </a:r>
+            <a:r>
+              <a:rPr lang="de-DE" dirty="0" err="1"/>
+              <a:t>example</a:t>
+            </a:r>
+            <a:r>
+              <a:rPr lang="de-DE" dirty="0"/>
+              <a:t> </a:t>
+            </a:r>
+            <a:r>
+              <a:rPr lang="de-DE" dirty="0" err="1"/>
+              <a:t>the</a:t>
+            </a:r>
+            <a:r>
+              <a:rPr lang="de-DE" dirty="0"/>
+              <a:t> </a:t>
+            </a:r>
+            <a:r>
+              <a:rPr lang="de-DE" dirty="0" err="1"/>
+              <a:t>parent</a:t>
+            </a:r>
+            <a:r>
+              <a:rPr lang="de-DE" dirty="0"/>
+              <a:t> </a:t>
+            </a:r>
+            <a:r>
+              <a:rPr lang="de-DE" dirty="0" err="1"/>
+              <a:t>phrase</a:t>
+            </a:r>
+            <a:r>
+              <a:rPr lang="de-DE" dirty="0"/>
+              <a:t> </a:t>
+            </a:r>
+            <a:r>
+              <a:rPr lang="de-DE" dirty="0" err="1"/>
+              <a:t>could</a:t>
+            </a:r>
+            <a:r>
+              <a:rPr lang="de-DE" dirty="0"/>
+              <a:t> still </a:t>
+            </a:r>
+            <a:r>
+              <a:rPr lang="de-DE" dirty="0" err="1"/>
+              <a:t>be</a:t>
+            </a:r>
+            <a:r>
+              <a:rPr lang="de-DE" dirty="0"/>
+              <a:t> in </a:t>
+            </a:r>
+            <a:r>
+              <a:rPr lang="de-DE" dirty="0" err="1"/>
+              <a:t>the</a:t>
+            </a:r>
+            <a:r>
+              <a:rPr lang="de-DE" dirty="0"/>
+              <a:t> </a:t>
+            </a:r>
+            <a:r>
+              <a:rPr lang="de-DE" dirty="0" err="1"/>
+              <a:t>subphrase</a:t>
+            </a:r>
+            <a:endParaRPr lang="de-DE" dirty="0"/>
+          </a:p>
+          <a:p>
+            <a:endParaRPr lang="de-DE" dirty="0"/>
+          </a:p>
+          <a:p>
+            <a:r>
+              <a:rPr lang="de-DE" dirty="0" err="1"/>
+              <a:t>To</a:t>
+            </a:r>
+            <a:r>
+              <a:rPr lang="de-DE" dirty="0"/>
+              <a:t> </a:t>
+            </a:r>
+            <a:r>
+              <a:rPr lang="de-DE" dirty="0" err="1"/>
+              <a:t>solve</a:t>
+            </a:r>
+            <a:r>
+              <a:rPr lang="de-DE" dirty="0"/>
+              <a:t> </a:t>
+            </a:r>
+            <a:r>
+              <a:rPr lang="de-DE" dirty="0" err="1"/>
+              <a:t>these</a:t>
+            </a:r>
+            <a:r>
+              <a:rPr lang="de-DE" dirty="0"/>
+              <a:t> </a:t>
+            </a:r>
+            <a:r>
+              <a:rPr lang="de-DE" dirty="0" err="1"/>
+              <a:t>problems</a:t>
+            </a:r>
+            <a:r>
+              <a:rPr lang="de-DE" dirty="0"/>
+              <a:t> </a:t>
+            </a:r>
+            <a:r>
+              <a:rPr lang="de-DE" dirty="0" err="1"/>
+              <a:t>we</a:t>
+            </a:r>
+            <a:r>
+              <a:rPr lang="de-DE" dirty="0"/>
+              <a:t> </a:t>
+            </a:r>
+            <a:r>
+              <a:rPr lang="de-DE" dirty="0" err="1"/>
+              <a:t>are</a:t>
+            </a:r>
+            <a:r>
+              <a:rPr lang="de-DE" dirty="0"/>
+              <a:t> </a:t>
+            </a:r>
+            <a:r>
+              <a:rPr lang="de-DE" dirty="0" err="1"/>
+              <a:t>evaluating</a:t>
+            </a:r>
+            <a:r>
+              <a:rPr lang="de-DE" dirty="0"/>
+              <a:t> </a:t>
+            </a:r>
+            <a:r>
+              <a:rPr lang="de-DE" dirty="0" err="1"/>
+              <a:t>more</a:t>
+            </a:r>
+            <a:r>
+              <a:rPr lang="de-DE" dirty="0"/>
+              <a:t> versatile </a:t>
+            </a:r>
+            <a:r>
+              <a:rPr lang="de-DE" dirty="0" err="1"/>
+              <a:t>methods</a:t>
+            </a:r>
+            <a:r>
+              <a:rPr lang="de-DE" dirty="0"/>
+              <a:t> </a:t>
+            </a:r>
+            <a:r>
+              <a:rPr lang="de-DE" dirty="0" err="1"/>
+              <a:t>of</a:t>
+            </a:r>
+            <a:r>
+              <a:rPr lang="de-DE" dirty="0"/>
+              <a:t> </a:t>
+            </a:r>
+            <a:r>
+              <a:rPr lang="de-DE" dirty="0" err="1"/>
+              <a:t>extraction</a:t>
+            </a:r>
+            <a:r>
+              <a:rPr lang="de-DE" dirty="0"/>
+              <a:t> </a:t>
+            </a:r>
+            <a:r>
+              <a:rPr lang="de-DE" dirty="0" err="1"/>
+              <a:t>and</a:t>
+            </a:r>
+            <a:r>
+              <a:rPr lang="de-DE" dirty="0"/>
+              <a:t> </a:t>
+            </a:r>
+            <a:r>
+              <a:rPr lang="de-DE" dirty="0" err="1"/>
+              <a:t>might</a:t>
+            </a:r>
+            <a:r>
+              <a:rPr lang="de-DE" dirty="0"/>
+              <a:t> </a:t>
+            </a:r>
+            <a:r>
+              <a:rPr lang="de-DE" dirty="0" err="1"/>
+              <a:t>switch</a:t>
+            </a:r>
+            <a:r>
+              <a:rPr lang="de-DE" dirty="0"/>
+              <a:t> </a:t>
+            </a:r>
+            <a:r>
+              <a:rPr lang="de-DE" dirty="0" err="1"/>
+              <a:t>from</a:t>
+            </a:r>
+            <a:r>
+              <a:rPr lang="de-DE" dirty="0"/>
+              <a:t> </a:t>
+            </a:r>
+            <a:r>
+              <a:rPr lang="de-DE" dirty="0" err="1"/>
+              <a:t>txt</a:t>
+            </a:r>
+            <a:r>
+              <a:rPr lang="de-DE" dirty="0"/>
+              <a:t> </a:t>
+            </a:r>
+            <a:r>
+              <a:rPr lang="de-DE" dirty="0" err="1"/>
+              <a:t>to</a:t>
+            </a:r>
+            <a:r>
+              <a:rPr lang="de-DE" dirty="0"/>
+              <a:t> </a:t>
+            </a:r>
+            <a:r>
+              <a:rPr lang="de-DE" dirty="0" err="1"/>
+              <a:t>another</a:t>
+            </a:r>
+            <a:r>
+              <a:rPr lang="de-DE" dirty="0"/>
+              <a:t> intermediate </a:t>
+            </a:r>
+            <a:r>
+              <a:rPr lang="de-DE" dirty="0" err="1"/>
+              <a:t>format</a:t>
+            </a:r>
+            <a:r>
+              <a:rPr lang="de-DE" dirty="0"/>
+              <a:t> like </a:t>
+            </a:r>
+            <a:r>
+              <a:rPr lang="de-DE" dirty="0" err="1"/>
+              <a:t>xhtml</a:t>
+            </a:r>
+            <a:r>
+              <a:rPr lang="de-DE" dirty="0"/>
+              <a:t> </a:t>
+            </a:r>
+            <a:r>
+              <a:rPr lang="de-DE" dirty="0" err="1"/>
+              <a:t>which</a:t>
+            </a:r>
+            <a:r>
+              <a:rPr lang="de-DE" dirty="0"/>
+              <a:t> </a:t>
+            </a:r>
+            <a:r>
+              <a:rPr lang="de-DE" dirty="0" err="1"/>
+              <a:t>includes</a:t>
+            </a:r>
+            <a:r>
+              <a:rPr lang="de-DE" dirty="0"/>
+              <a:t> </a:t>
+            </a:r>
+            <a:r>
+              <a:rPr lang="de-DE" dirty="0" err="1"/>
+              <a:t>some</a:t>
+            </a:r>
+            <a:r>
+              <a:rPr lang="de-DE" dirty="0"/>
+              <a:t> </a:t>
+            </a:r>
+            <a:r>
+              <a:rPr lang="de-DE" dirty="0" err="1"/>
+              <a:t>more</a:t>
+            </a:r>
+            <a:r>
+              <a:rPr lang="de-DE" dirty="0"/>
+              <a:t> </a:t>
+            </a:r>
+            <a:r>
+              <a:rPr lang="de-DE" dirty="0" err="1"/>
+              <a:t>information</a:t>
+            </a:r>
+            <a:r>
+              <a:rPr lang="de-DE" dirty="0"/>
+              <a:t> like </a:t>
+            </a:r>
+            <a:r>
+              <a:rPr lang="de-DE" dirty="0" err="1"/>
+              <a:t>paragraph</a:t>
+            </a:r>
+            <a:r>
+              <a:rPr lang="de-DE" dirty="0"/>
+              <a:t> </a:t>
+            </a:r>
+            <a:r>
+              <a:rPr lang="de-DE" dirty="0" err="1"/>
+              <a:t>labels</a:t>
+            </a:r>
+            <a:endParaRPr lang="de-DE" dirty="0"/>
+          </a:p>
+          <a:p>
+            <a:endParaRPr lang="de-DE" dirty="0"/>
+          </a:p>
+          <a:p>
+            <a:r>
+              <a:rPr lang="de-DE" dirty="0"/>
+              <a:t>Keep in </a:t>
+            </a:r>
+            <a:r>
+              <a:rPr lang="de-DE" dirty="0" err="1"/>
+              <a:t>mind</a:t>
+            </a:r>
+            <a:r>
+              <a:rPr lang="de-DE" dirty="0"/>
+              <a:t> </a:t>
+            </a:r>
+            <a:r>
+              <a:rPr lang="de-DE" dirty="0" err="1"/>
+              <a:t>that</a:t>
+            </a:r>
+            <a:r>
+              <a:rPr lang="de-DE" dirty="0"/>
+              <a:t> I </a:t>
+            </a:r>
+            <a:r>
+              <a:rPr lang="de-DE" dirty="0" err="1"/>
+              <a:t>have</a:t>
+            </a:r>
+            <a:r>
+              <a:rPr lang="de-DE" dirty="0"/>
+              <a:t> </a:t>
+            </a:r>
+            <a:r>
+              <a:rPr lang="de-DE" dirty="0" err="1"/>
+              <a:t>laid</a:t>
+            </a:r>
+            <a:r>
+              <a:rPr lang="de-DE" dirty="0"/>
+              <a:t> out </a:t>
+            </a:r>
+            <a:r>
+              <a:rPr lang="de-DE" dirty="0" err="1"/>
+              <a:t>our</a:t>
+            </a:r>
+            <a:r>
+              <a:rPr lang="de-DE" dirty="0"/>
+              <a:t> </a:t>
+            </a:r>
+            <a:r>
+              <a:rPr lang="de-DE" dirty="0" err="1"/>
+              <a:t>current</a:t>
+            </a:r>
+            <a:r>
+              <a:rPr lang="de-DE" dirty="0"/>
+              <a:t> </a:t>
+            </a:r>
+            <a:r>
+              <a:rPr lang="de-DE" dirty="0" err="1"/>
+              <a:t>strategies</a:t>
+            </a:r>
+            <a:r>
+              <a:rPr lang="de-DE" dirty="0"/>
+              <a:t> </a:t>
+            </a:r>
+            <a:r>
+              <a:rPr lang="de-DE" dirty="0" err="1"/>
+              <a:t>for</a:t>
+            </a:r>
+            <a:r>
+              <a:rPr lang="de-DE" dirty="0"/>
+              <a:t> </a:t>
+            </a:r>
+            <a:r>
+              <a:rPr lang="de-DE" dirty="0" err="1"/>
+              <a:t>these</a:t>
+            </a:r>
+            <a:r>
+              <a:rPr lang="de-DE" dirty="0"/>
+              <a:t> </a:t>
+            </a:r>
+            <a:r>
+              <a:rPr lang="de-DE" dirty="0" err="1"/>
+              <a:t>issues</a:t>
+            </a:r>
+            <a:r>
+              <a:rPr lang="de-DE" dirty="0"/>
+              <a:t> </a:t>
+            </a:r>
+            <a:r>
+              <a:rPr lang="de-DE" dirty="0" err="1"/>
+              <a:t>here</a:t>
+            </a:r>
+            <a:r>
+              <a:rPr lang="de-DE" dirty="0"/>
+              <a:t> </a:t>
+            </a:r>
+            <a:r>
+              <a:rPr lang="de-DE" dirty="0" err="1"/>
+              <a:t>for</a:t>
+            </a:r>
+            <a:r>
+              <a:rPr lang="de-DE" dirty="0"/>
+              <a:t> </a:t>
+            </a:r>
+            <a:r>
+              <a:rPr lang="de-DE" dirty="0" err="1"/>
+              <a:t>you</a:t>
+            </a:r>
+            <a:r>
+              <a:rPr lang="de-DE" dirty="0"/>
+              <a:t>, </a:t>
+            </a:r>
+            <a:r>
+              <a:rPr lang="de-DE" dirty="0" err="1"/>
+              <a:t>we</a:t>
+            </a:r>
+            <a:r>
+              <a:rPr lang="de-DE" dirty="0"/>
+              <a:t> </a:t>
+            </a:r>
+            <a:r>
+              <a:rPr lang="de-DE" dirty="0" err="1"/>
+              <a:t>are</a:t>
+            </a:r>
+            <a:r>
+              <a:rPr lang="de-DE" dirty="0"/>
+              <a:t> </a:t>
+            </a:r>
+            <a:r>
+              <a:rPr lang="de-DE" dirty="0" err="1"/>
+              <a:t>very</a:t>
+            </a:r>
+            <a:r>
+              <a:rPr lang="de-DE" dirty="0"/>
+              <a:t> </a:t>
+            </a:r>
+            <a:r>
+              <a:rPr lang="de-DE" dirty="0" err="1"/>
+              <a:t>much</a:t>
+            </a:r>
+            <a:r>
+              <a:rPr lang="de-DE" dirty="0"/>
+              <a:t> open </a:t>
+            </a:r>
+            <a:r>
+              <a:rPr lang="de-DE" dirty="0" err="1"/>
+              <a:t>for</a:t>
+            </a:r>
+            <a:r>
+              <a:rPr lang="de-DE" dirty="0"/>
+              <a:t> </a:t>
+            </a:r>
+            <a:r>
+              <a:rPr lang="de-DE" dirty="0" err="1"/>
+              <a:t>suggestions</a:t>
+            </a:r>
+            <a:r>
+              <a:rPr lang="de-DE" dirty="0"/>
+              <a:t> </a:t>
+            </a:r>
+            <a:r>
+              <a:rPr lang="de-DE" dirty="0" err="1"/>
+              <a:t>to</a:t>
+            </a:r>
+            <a:r>
+              <a:rPr lang="de-DE" dirty="0"/>
+              <a:t> different </a:t>
+            </a:r>
+            <a:r>
+              <a:rPr lang="de-DE" dirty="0" err="1"/>
+              <a:t>and</a:t>
+            </a:r>
+            <a:r>
+              <a:rPr lang="de-DE" dirty="0"/>
+              <a:t> </a:t>
+            </a:r>
+            <a:r>
+              <a:rPr lang="de-DE" dirty="0" err="1"/>
+              <a:t>maybe</a:t>
+            </a:r>
+            <a:r>
+              <a:rPr lang="de-DE" dirty="0"/>
+              <a:t> </a:t>
+            </a:r>
+            <a:r>
+              <a:rPr lang="de-DE" dirty="0" err="1"/>
+              <a:t>better</a:t>
+            </a:r>
+            <a:r>
+              <a:rPr lang="de-DE" dirty="0"/>
+              <a:t> </a:t>
+            </a:r>
+            <a:r>
+              <a:rPr lang="de-DE" dirty="0" err="1"/>
+              <a:t>solutions</a:t>
+            </a:r>
+            <a:r>
+              <a:rPr lang="de-DE" dirty="0"/>
+              <a:t> </a:t>
+            </a:r>
+            <a:r>
+              <a:rPr lang="de-DE" dirty="0" err="1"/>
+              <a:t>and</a:t>
+            </a:r>
+            <a:r>
+              <a:rPr lang="de-DE" dirty="0"/>
+              <a:t> </a:t>
+            </a:r>
+            <a:r>
+              <a:rPr lang="de-DE" dirty="0" err="1"/>
+              <a:t>are</a:t>
+            </a:r>
+            <a:r>
+              <a:rPr lang="de-DE" dirty="0"/>
+              <a:t> </a:t>
+            </a:r>
+            <a:r>
+              <a:rPr lang="de-DE" dirty="0" err="1"/>
+              <a:t>eager</a:t>
+            </a:r>
+            <a:r>
+              <a:rPr lang="de-DE" dirty="0"/>
+              <a:t> </a:t>
+            </a:r>
+            <a:r>
+              <a:rPr lang="de-DE" dirty="0" err="1"/>
+              <a:t>to</a:t>
+            </a:r>
+            <a:r>
+              <a:rPr lang="de-DE" dirty="0"/>
+              <a:t> </a:t>
+            </a:r>
+            <a:r>
+              <a:rPr lang="de-DE" dirty="0" err="1"/>
+              <a:t>get</a:t>
+            </a:r>
+            <a:r>
+              <a:rPr lang="de-DE" dirty="0"/>
+              <a:t> </a:t>
+            </a:r>
+            <a:r>
+              <a:rPr lang="de-DE" dirty="0" err="1"/>
+              <a:t>your</a:t>
+            </a:r>
+            <a:r>
+              <a:rPr lang="de-DE" dirty="0"/>
+              <a:t> </a:t>
+            </a:r>
+            <a:r>
+              <a:rPr lang="de-DE" dirty="0" err="1"/>
+              <a:t>feedback</a:t>
+            </a:r>
+            <a:r>
+              <a:rPr lang="de-DE" dirty="0"/>
+              <a:t>.</a:t>
+            </a:r>
+          </a:p>
+        </p:txBody>
+      </p:sp>
+    </p:spTree>
+    <p:extLst>
+      <p:ext uri="{BB962C8B-B14F-4D97-AF65-F5344CB8AC3E}">
+        <p14:creationId xmlns:p14="http://schemas.microsoft.com/office/powerpoint/2010/main" val="104005870"/>
+      </p:ext>
+    </p:extLst>
+  </p:cSld>
+  <p:clrMapOvr>
+    <a:masterClrMapping/>
+  </p:clrMapOvr>
+</p:notes>
+</file>
+
+<file path=ppt/notesSlides/notesSlide5.xml><?xml version="1.0" encoding="utf-8"?>
+<p:notes xmlns:a="http://schemas.openxmlformats.org/drawingml/2006/main" xmlns:r="http://schemas.openxmlformats.org/officeDocument/2006/relationships" xmlns:p="http://schemas.openxmlformats.org/presentationml/2006/main">
+  <p:cSld>
+    <p:spTree>
+      <p:nvGrpSpPr>
+        <p:cNvPr id="1" name=""/>
+        <p:cNvGrpSpPr/>
+        <p:nvPr/>
+      </p:nvGrpSpPr>
+      <p:grpSpPr>
+        <a:xfrm>
+          <a:off x="0" y="0"/>
+          <a:ext cx="0" cy="0"/>
+          <a:chOff x="0" y="0"/>
+          <a:chExt cx="0" cy="0"/>
+        </a:xfrm>
+      </p:grpSpPr>
+      <p:sp>
+        <p:nvSpPr>
+          <p:cNvPr id="2" name="Folienbildplatzhalter 1"/>
+          <p:cNvSpPr>
+            <a:spLocks noGrp="1" noRot="1" noChangeAspect="1"/>
+          </p:cNvSpPr>
+          <p:nvPr>
+            <p:ph type="sldImg"/>
+          </p:nvPr>
+        </p:nvSpPr>
+        <p:spPr>
+          <a:xfrm>
+            <a:off x="381000" y="685800"/>
+            <a:ext cx="6096000" cy="3429000"/>
+          </a:xfrm>
+        </p:spPr>
+      </p:sp>
+      <p:sp>
+        <p:nvSpPr>
+          <p:cNvPr id="3" name="Notizenplatzhalter 2"/>
+          <p:cNvSpPr>
+            <a:spLocks noGrp="1"/>
+          </p:cNvSpPr>
+          <p:nvPr>
+            <p:ph type="body" idx="1"/>
+          </p:nvPr>
+        </p:nvSpPr>
+        <p:spPr/>
+        <p:txBody>
+          <a:bodyPr/>
+          <a:lstStyle/>
+          <a:p>
+            <a:r>
+              <a:rPr lang="de-DE" dirty="0"/>
+              <a:t>So after </a:t>
+            </a:r>
+            <a:r>
+              <a:rPr lang="de-DE" dirty="0" err="1"/>
+              <a:t>you</a:t>
+            </a:r>
+            <a:r>
+              <a:rPr lang="de-DE" dirty="0"/>
+              <a:t> </a:t>
+            </a:r>
+            <a:r>
+              <a:rPr lang="de-DE" dirty="0" err="1"/>
+              <a:t>have</a:t>
+            </a:r>
+            <a:r>
+              <a:rPr lang="de-DE" dirty="0"/>
+              <a:t> </a:t>
+            </a:r>
+            <a:r>
+              <a:rPr lang="de-DE" dirty="0" err="1"/>
+              <a:t>seen</a:t>
+            </a:r>
+            <a:r>
+              <a:rPr lang="de-DE" dirty="0"/>
+              <a:t> </a:t>
+            </a:r>
+            <a:r>
+              <a:rPr lang="de-DE" dirty="0" err="1"/>
+              <a:t>the</a:t>
+            </a:r>
+            <a:r>
+              <a:rPr lang="de-DE" dirty="0"/>
+              <a:t> </a:t>
+            </a:r>
+            <a:r>
+              <a:rPr lang="de-DE" dirty="0" err="1"/>
+              <a:t>main</a:t>
+            </a:r>
+            <a:r>
+              <a:rPr lang="de-DE" dirty="0"/>
+              <a:t> </a:t>
+            </a:r>
+            <a:r>
+              <a:rPr lang="de-DE" dirty="0" err="1"/>
+              <a:t>obstacles</a:t>
+            </a:r>
+            <a:r>
+              <a:rPr lang="de-DE" dirty="0"/>
+              <a:t> </a:t>
+            </a:r>
+            <a:r>
+              <a:rPr lang="de-DE" dirty="0" err="1"/>
+              <a:t>now</a:t>
+            </a:r>
+            <a:r>
+              <a:rPr lang="de-DE" dirty="0"/>
+              <a:t> </a:t>
+            </a:r>
+            <a:r>
+              <a:rPr lang="de-DE" dirty="0" err="1"/>
+              <a:t>here</a:t>
+            </a:r>
+            <a:r>
+              <a:rPr lang="de-DE" dirty="0"/>
+              <a:t> </a:t>
+            </a:r>
+            <a:r>
+              <a:rPr lang="de-DE" dirty="0" err="1"/>
+              <a:t>are</a:t>
+            </a:r>
+            <a:r>
+              <a:rPr lang="de-DE" dirty="0"/>
+              <a:t> </a:t>
+            </a:r>
+            <a:r>
+              <a:rPr lang="de-DE" dirty="0" err="1"/>
+              <a:t>some</a:t>
+            </a:r>
+            <a:r>
+              <a:rPr lang="de-DE" dirty="0"/>
+              <a:t> </a:t>
+            </a:r>
+            <a:r>
+              <a:rPr lang="de-DE" dirty="0" err="1"/>
+              <a:t>special</a:t>
+            </a:r>
+            <a:r>
+              <a:rPr lang="de-DE" dirty="0"/>
+              <a:t> </a:t>
+            </a:r>
+            <a:r>
+              <a:rPr lang="de-DE" dirty="0" err="1"/>
+              <a:t>scenarios</a:t>
+            </a:r>
+            <a:r>
+              <a:rPr lang="de-DE" dirty="0"/>
+              <a:t> </a:t>
+            </a:r>
+            <a:r>
+              <a:rPr lang="de-DE" dirty="0" err="1"/>
+              <a:t>where</a:t>
+            </a:r>
+            <a:r>
+              <a:rPr lang="de-DE" dirty="0"/>
+              <a:t> </a:t>
+            </a:r>
+            <a:r>
+              <a:rPr lang="de-DE" dirty="0" err="1"/>
+              <a:t>the</a:t>
+            </a:r>
+            <a:r>
+              <a:rPr lang="de-DE" dirty="0"/>
+              <a:t> </a:t>
+            </a:r>
+            <a:r>
+              <a:rPr lang="de-DE" dirty="0" err="1"/>
+              <a:t>extraction</a:t>
+            </a:r>
+            <a:r>
+              <a:rPr lang="de-DE" dirty="0"/>
+              <a:t> </a:t>
+            </a:r>
+            <a:r>
+              <a:rPr lang="de-DE" dirty="0" err="1"/>
+              <a:t>might</a:t>
+            </a:r>
+            <a:r>
+              <a:rPr lang="de-DE" dirty="0"/>
+              <a:t> not </a:t>
+            </a:r>
+            <a:r>
+              <a:rPr lang="de-DE" dirty="0" err="1"/>
+              <a:t>work</a:t>
+            </a:r>
+            <a:r>
+              <a:rPr lang="de-DE" dirty="0"/>
+              <a:t> </a:t>
+            </a:r>
+            <a:r>
+              <a:rPr lang="de-DE" dirty="0" err="1"/>
+              <a:t>probably</a:t>
+            </a:r>
+            <a:endParaRPr lang="de-DE" dirty="0"/>
+          </a:p>
+          <a:p>
+            <a:endParaRPr lang="de-DE" dirty="0"/>
+          </a:p>
+          <a:p>
+            <a:r>
+              <a:rPr lang="de-DE" dirty="0"/>
+              <a:t>Special non </a:t>
+            </a:r>
+            <a:r>
+              <a:rPr lang="de-DE" dirty="0" err="1"/>
+              <a:t>standard</a:t>
+            </a:r>
+            <a:r>
+              <a:rPr lang="de-DE" dirty="0"/>
+              <a:t> </a:t>
+            </a:r>
+            <a:r>
+              <a:rPr lang="de-DE" dirty="0" err="1"/>
+              <a:t>symbols</a:t>
+            </a:r>
+            <a:r>
+              <a:rPr lang="de-DE" dirty="0"/>
+              <a:t> like </a:t>
+            </a:r>
+            <a:r>
+              <a:rPr lang="de-DE" dirty="0" err="1"/>
+              <a:t>for</a:t>
+            </a:r>
+            <a:r>
+              <a:rPr lang="de-DE" dirty="0"/>
+              <a:t> </a:t>
+            </a:r>
+            <a:r>
+              <a:rPr lang="de-DE" dirty="0" err="1"/>
+              <a:t>example</a:t>
+            </a:r>
+            <a:r>
+              <a:rPr lang="de-DE" dirty="0"/>
+              <a:t> </a:t>
+            </a:r>
+            <a:r>
+              <a:rPr lang="de-DE" dirty="0" err="1"/>
+              <a:t>greek</a:t>
+            </a:r>
+            <a:r>
+              <a:rPr lang="de-DE" dirty="0"/>
+              <a:t> </a:t>
+            </a:r>
+            <a:r>
+              <a:rPr lang="de-DE" dirty="0" err="1"/>
+              <a:t>symbols</a:t>
+            </a:r>
+            <a:r>
+              <a:rPr lang="de-DE" dirty="0"/>
+              <a:t> </a:t>
+            </a:r>
+            <a:r>
+              <a:rPr lang="de-DE" dirty="0" err="1"/>
+              <a:t>used</a:t>
+            </a:r>
+            <a:r>
+              <a:rPr lang="de-DE" dirty="0"/>
+              <a:t> in </a:t>
+            </a:r>
+            <a:r>
+              <a:rPr lang="de-DE" dirty="0" err="1"/>
+              <a:t>mathematics</a:t>
+            </a:r>
+            <a:r>
+              <a:rPr lang="de-DE" dirty="0"/>
+              <a:t> </a:t>
+            </a:r>
+            <a:r>
+              <a:rPr lang="de-DE" dirty="0" err="1"/>
+              <a:t>are</a:t>
+            </a:r>
+            <a:r>
+              <a:rPr lang="de-DE" dirty="0"/>
+              <a:t> not </a:t>
+            </a:r>
+            <a:r>
+              <a:rPr lang="de-DE" dirty="0" err="1"/>
+              <a:t>extracted</a:t>
+            </a:r>
+            <a:r>
+              <a:rPr lang="de-DE" dirty="0"/>
+              <a:t> </a:t>
+            </a:r>
+            <a:r>
+              <a:rPr lang="de-DE" dirty="0" err="1"/>
+              <a:t>as</a:t>
+            </a:r>
+            <a:r>
+              <a:rPr lang="de-DE" dirty="0"/>
+              <a:t> </a:t>
+            </a:r>
+            <a:r>
+              <a:rPr lang="de-DE" dirty="0" err="1"/>
+              <a:t>those</a:t>
+            </a:r>
+            <a:r>
+              <a:rPr lang="de-DE" dirty="0"/>
+              <a:t> </a:t>
+            </a:r>
+            <a:r>
+              <a:rPr lang="de-DE" dirty="0" err="1"/>
+              <a:t>symbols</a:t>
+            </a:r>
+            <a:r>
+              <a:rPr lang="de-DE" dirty="0"/>
+              <a:t> but </a:t>
+            </a:r>
+            <a:r>
+              <a:rPr lang="de-DE" dirty="0" err="1"/>
+              <a:t>weird</a:t>
+            </a:r>
+            <a:r>
+              <a:rPr lang="de-DE" dirty="0"/>
+              <a:t> </a:t>
+            </a:r>
+            <a:r>
+              <a:rPr lang="de-DE" dirty="0" err="1"/>
+              <a:t>combinations</a:t>
+            </a:r>
+            <a:r>
+              <a:rPr lang="de-DE" dirty="0"/>
+              <a:t> </a:t>
+            </a:r>
+            <a:r>
+              <a:rPr lang="de-DE" dirty="0" err="1"/>
+              <a:t>of</a:t>
+            </a:r>
+            <a:r>
+              <a:rPr lang="de-DE" dirty="0"/>
+              <a:t> </a:t>
+            </a:r>
+            <a:r>
+              <a:rPr lang="de-DE" dirty="0" err="1"/>
+              <a:t>standard</a:t>
+            </a:r>
+            <a:r>
+              <a:rPr lang="de-DE" dirty="0"/>
+              <a:t> </a:t>
+            </a:r>
+            <a:r>
+              <a:rPr lang="de-DE" dirty="0" err="1"/>
+              <a:t>latin</a:t>
+            </a:r>
+            <a:r>
+              <a:rPr lang="de-DE" dirty="0"/>
+              <a:t> </a:t>
+            </a:r>
+            <a:r>
+              <a:rPr lang="de-DE" dirty="0" err="1"/>
+              <a:t>letters</a:t>
+            </a:r>
+            <a:r>
+              <a:rPr lang="de-DE" dirty="0"/>
+              <a:t> </a:t>
+            </a:r>
+            <a:r>
+              <a:rPr lang="de-DE" dirty="0" err="1"/>
+              <a:t>and</a:t>
+            </a:r>
+            <a:r>
+              <a:rPr lang="de-DE" dirty="0"/>
+              <a:t> </a:t>
+            </a:r>
+            <a:r>
+              <a:rPr lang="de-DE" dirty="0" err="1"/>
+              <a:t>symbols</a:t>
+            </a:r>
+            <a:endParaRPr lang="de-DE" dirty="0"/>
+          </a:p>
+          <a:p>
+            <a:endParaRPr lang="de-DE" dirty="0"/>
+          </a:p>
+          <a:p>
+            <a:r>
+              <a:rPr lang="de-DE" dirty="0" err="1"/>
+              <a:t>Currrently</a:t>
+            </a:r>
+            <a:r>
+              <a:rPr lang="de-DE" dirty="0"/>
+              <a:t> </a:t>
+            </a:r>
+            <a:r>
+              <a:rPr lang="de-DE" dirty="0" err="1"/>
+              <a:t>we</a:t>
+            </a:r>
+            <a:r>
+              <a:rPr lang="de-DE" dirty="0"/>
+              <a:t> </a:t>
+            </a:r>
+            <a:r>
+              <a:rPr lang="de-DE" dirty="0" err="1"/>
+              <a:t>are</a:t>
+            </a:r>
+            <a:r>
+              <a:rPr lang="de-DE" dirty="0"/>
+              <a:t> </a:t>
+            </a:r>
+            <a:r>
+              <a:rPr lang="de-DE" dirty="0" err="1"/>
+              <a:t>expecting</a:t>
+            </a:r>
+            <a:r>
+              <a:rPr lang="de-DE" dirty="0"/>
+              <a:t> </a:t>
+            </a:r>
+            <a:r>
+              <a:rPr lang="de-DE" dirty="0" err="1"/>
+              <a:t>each</a:t>
+            </a:r>
+            <a:r>
+              <a:rPr lang="de-DE" dirty="0"/>
+              <a:t> </a:t>
+            </a:r>
+            <a:r>
+              <a:rPr lang="de-DE" dirty="0" err="1"/>
+              <a:t>entry</a:t>
+            </a:r>
+            <a:r>
+              <a:rPr lang="de-DE" dirty="0"/>
+              <a:t> </a:t>
+            </a:r>
+            <a:r>
+              <a:rPr lang="de-DE" dirty="0" err="1"/>
+              <a:t>to</a:t>
+            </a:r>
+            <a:r>
+              <a:rPr lang="de-DE" dirty="0"/>
+              <a:t> </a:t>
+            </a:r>
+            <a:r>
+              <a:rPr lang="de-DE" dirty="0" err="1"/>
+              <a:t>be</a:t>
+            </a:r>
+            <a:r>
+              <a:rPr lang="de-DE" dirty="0"/>
+              <a:t> in </a:t>
+            </a:r>
+            <a:r>
+              <a:rPr lang="de-DE" dirty="0" err="1"/>
+              <a:t>one</a:t>
+            </a:r>
+            <a:r>
+              <a:rPr lang="de-DE" dirty="0"/>
+              <a:t> </a:t>
+            </a:r>
+            <a:r>
+              <a:rPr lang="de-DE" dirty="0" err="1"/>
+              <a:t>line</a:t>
+            </a:r>
+            <a:r>
+              <a:rPr lang="de-DE" dirty="0"/>
+              <a:t> </a:t>
+            </a:r>
+            <a:r>
+              <a:rPr lang="de-DE" dirty="0" err="1"/>
+              <a:t>which</a:t>
+            </a:r>
+            <a:r>
+              <a:rPr lang="de-DE" dirty="0"/>
+              <a:t> </a:t>
+            </a:r>
+            <a:r>
+              <a:rPr lang="de-DE" dirty="0" err="1"/>
+              <a:t>messses</a:t>
+            </a:r>
+            <a:r>
+              <a:rPr lang="de-DE" dirty="0"/>
+              <a:t> </a:t>
+            </a:r>
+            <a:r>
+              <a:rPr lang="de-DE" dirty="0" err="1"/>
+              <a:t>up</a:t>
+            </a:r>
+            <a:r>
+              <a:rPr lang="de-DE" dirty="0"/>
+              <a:t> </a:t>
+            </a:r>
+            <a:r>
+              <a:rPr lang="de-DE" dirty="0" err="1"/>
+              <a:t>whenever</a:t>
+            </a:r>
+            <a:r>
+              <a:rPr lang="de-DE" dirty="0"/>
+              <a:t> </a:t>
+            </a:r>
+            <a:r>
+              <a:rPr lang="de-DE" dirty="0" err="1"/>
+              <a:t>one</a:t>
+            </a:r>
+            <a:r>
+              <a:rPr lang="de-DE" dirty="0"/>
+              <a:t> </a:t>
+            </a:r>
+            <a:r>
+              <a:rPr lang="de-DE" dirty="0" err="1"/>
+              <a:t>entry</a:t>
+            </a:r>
+            <a:r>
+              <a:rPr lang="de-DE" dirty="0"/>
+              <a:t> </a:t>
+            </a:r>
+            <a:r>
+              <a:rPr lang="de-DE" dirty="0" err="1"/>
+              <a:t>expands</a:t>
+            </a:r>
+            <a:r>
+              <a:rPr lang="de-DE" dirty="0"/>
+              <a:t> </a:t>
+            </a:r>
+            <a:r>
+              <a:rPr lang="de-DE" dirty="0" err="1"/>
+              <a:t>to</a:t>
+            </a:r>
+            <a:r>
+              <a:rPr lang="de-DE" dirty="0"/>
+              <a:t> a </a:t>
+            </a:r>
+            <a:r>
+              <a:rPr lang="de-DE" dirty="0" err="1"/>
+              <a:t>second</a:t>
+            </a:r>
+            <a:r>
+              <a:rPr lang="de-DE" dirty="0"/>
+              <a:t> </a:t>
+            </a:r>
+            <a:r>
+              <a:rPr lang="de-DE" dirty="0" err="1"/>
+              <a:t>line</a:t>
+            </a:r>
+            <a:r>
+              <a:rPr lang="de-DE" dirty="0"/>
+              <a:t> due </a:t>
+            </a:r>
+            <a:r>
+              <a:rPr lang="de-DE" dirty="0" err="1"/>
+              <a:t>to</a:t>
+            </a:r>
+            <a:r>
+              <a:rPr lang="de-DE" dirty="0"/>
+              <a:t> </a:t>
+            </a:r>
+            <a:r>
+              <a:rPr lang="de-DE" dirty="0" err="1"/>
+              <a:t>its</a:t>
+            </a:r>
+            <a:r>
+              <a:rPr lang="de-DE" dirty="0"/>
+              <a:t> </a:t>
+            </a:r>
+            <a:r>
+              <a:rPr lang="de-DE" dirty="0" err="1"/>
+              <a:t>length</a:t>
+            </a:r>
+            <a:endParaRPr lang="de-DE" dirty="0"/>
+          </a:p>
+          <a:p>
+            <a:endParaRPr lang="de-DE" dirty="0"/>
+          </a:p>
+          <a:p>
+            <a:r>
+              <a:rPr lang="de-DE" dirty="0" err="1"/>
+              <a:t>Related</a:t>
+            </a:r>
+            <a:r>
+              <a:rPr lang="de-DE" dirty="0"/>
+              <a:t> </a:t>
+            </a:r>
+            <a:r>
+              <a:rPr lang="de-DE" dirty="0" err="1"/>
+              <a:t>to</a:t>
+            </a:r>
+            <a:r>
+              <a:rPr lang="de-DE" dirty="0"/>
+              <a:t> </a:t>
+            </a:r>
+            <a:r>
+              <a:rPr lang="de-DE" dirty="0" err="1"/>
+              <a:t>that</a:t>
+            </a:r>
+            <a:r>
+              <a:rPr lang="de-DE" dirty="0"/>
+              <a:t> </a:t>
+            </a:r>
+            <a:r>
+              <a:rPr lang="de-DE" dirty="0" err="1"/>
+              <a:t>when</a:t>
+            </a:r>
+            <a:r>
+              <a:rPr lang="de-DE" dirty="0"/>
+              <a:t> </a:t>
+            </a:r>
+            <a:r>
+              <a:rPr lang="de-DE" dirty="0" err="1"/>
+              <a:t>the</a:t>
+            </a:r>
+            <a:r>
+              <a:rPr lang="de-DE" dirty="0"/>
+              <a:t> </a:t>
+            </a:r>
+            <a:r>
+              <a:rPr lang="de-DE" dirty="0" err="1"/>
+              <a:t>entry</a:t>
+            </a:r>
+            <a:r>
+              <a:rPr lang="de-DE" dirty="0"/>
+              <a:t> </a:t>
+            </a:r>
+            <a:r>
+              <a:rPr lang="de-DE" dirty="0" err="1"/>
+              <a:t>expands</a:t>
+            </a:r>
+            <a:r>
+              <a:rPr lang="de-DE" dirty="0"/>
+              <a:t> </a:t>
+            </a:r>
+            <a:r>
+              <a:rPr lang="de-DE" dirty="0" err="1"/>
+              <a:t>to</a:t>
+            </a:r>
+            <a:r>
+              <a:rPr lang="de-DE" dirty="0"/>
+              <a:t> a </a:t>
+            </a:r>
+            <a:r>
+              <a:rPr lang="de-DE" dirty="0" err="1"/>
+              <a:t>second</a:t>
+            </a:r>
+            <a:r>
+              <a:rPr lang="de-DE" dirty="0"/>
+              <a:t> </a:t>
+            </a:r>
+            <a:r>
+              <a:rPr lang="de-DE" dirty="0" err="1"/>
+              <a:t>line</a:t>
+            </a:r>
+            <a:r>
+              <a:rPr lang="de-DE" dirty="0"/>
+              <a:t> </a:t>
+            </a:r>
+            <a:r>
+              <a:rPr lang="de-DE" dirty="0" err="1"/>
+              <a:t>and</a:t>
+            </a:r>
+            <a:r>
+              <a:rPr lang="de-DE" dirty="0"/>
+              <a:t> </a:t>
+            </a:r>
+            <a:r>
+              <a:rPr lang="de-DE" dirty="0" err="1"/>
+              <a:t>is</a:t>
+            </a:r>
+            <a:r>
+              <a:rPr lang="de-DE" dirty="0"/>
+              <a:t> </a:t>
+            </a:r>
+            <a:r>
+              <a:rPr lang="de-DE" dirty="0" err="1"/>
+              <a:t>divided</a:t>
+            </a:r>
+            <a:r>
+              <a:rPr lang="de-DE" dirty="0"/>
+              <a:t> </a:t>
+            </a:r>
+            <a:r>
+              <a:rPr lang="de-DE" dirty="0" err="1"/>
+              <a:t>mid</a:t>
+            </a:r>
+            <a:r>
+              <a:rPr lang="de-DE" dirty="0"/>
+              <a:t> </a:t>
+            </a:r>
+            <a:r>
+              <a:rPr lang="de-DE" dirty="0" err="1"/>
+              <a:t>word</a:t>
+            </a:r>
+            <a:r>
+              <a:rPr lang="de-DE" dirty="0"/>
+              <a:t> </a:t>
+            </a:r>
+            <a:r>
+              <a:rPr lang="de-DE" dirty="0" err="1"/>
+              <a:t>with</a:t>
+            </a:r>
+            <a:r>
+              <a:rPr lang="de-DE" dirty="0"/>
+              <a:t> a </a:t>
+            </a:r>
+            <a:r>
+              <a:rPr lang="de-DE" dirty="0" err="1"/>
+              <a:t>hyphen</a:t>
+            </a:r>
+            <a:r>
+              <a:rPr lang="de-DE" dirty="0"/>
+              <a:t> </a:t>
+            </a:r>
+            <a:r>
+              <a:rPr lang="de-DE" dirty="0" err="1"/>
+              <a:t>we</a:t>
+            </a:r>
+            <a:r>
+              <a:rPr lang="de-DE" dirty="0"/>
+              <a:t> </a:t>
+            </a:r>
+            <a:r>
+              <a:rPr lang="de-DE" dirty="0" err="1"/>
+              <a:t>would</a:t>
+            </a:r>
+            <a:r>
+              <a:rPr lang="de-DE" dirty="0"/>
+              <a:t> like </a:t>
+            </a:r>
+            <a:r>
+              <a:rPr lang="de-DE" dirty="0" err="1"/>
+              <a:t>to</a:t>
+            </a:r>
+            <a:r>
+              <a:rPr lang="de-DE" dirty="0"/>
+              <a:t> </a:t>
+            </a:r>
+            <a:r>
+              <a:rPr lang="de-DE" dirty="0" err="1"/>
+              <a:t>remove</a:t>
+            </a:r>
+            <a:r>
+              <a:rPr lang="de-DE" dirty="0"/>
+              <a:t> </a:t>
+            </a:r>
+            <a:r>
+              <a:rPr lang="de-DE" dirty="0" err="1"/>
+              <a:t>that</a:t>
+            </a:r>
+            <a:r>
+              <a:rPr lang="de-DE" dirty="0"/>
+              <a:t> </a:t>
+            </a:r>
+            <a:r>
+              <a:rPr lang="de-DE" dirty="0" err="1"/>
+              <a:t>hyphen</a:t>
+            </a:r>
+            <a:r>
+              <a:rPr lang="de-DE" dirty="0"/>
+              <a:t> </a:t>
+            </a:r>
+            <a:r>
+              <a:rPr lang="de-DE" dirty="0" err="1"/>
+              <a:t>and</a:t>
+            </a:r>
+            <a:r>
+              <a:rPr lang="de-DE" dirty="0"/>
+              <a:t> </a:t>
+            </a:r>
+            <a:r>
+              <a:rPr lang="de-DE" dirty="0" err="1"/>
+              <a:t>have</a:t>
+            </a:r>
+            <a:r>
+              <a:rPr lang="de-DE" dirty="0"/>
+              <a:t> </a:t>
+            </a:r>
+            <a:r>
+              <a:rPr lang="de-DE" dirty="0" err="1"/>
+              <a:t>the</a:t>
+            </a:r>
+            <a:r>
+              <a:rPr lang="de-DE" dirty="0"/>
+              <a:t> </a:t>
+            </a:r>
+            <a:r>
+              <a:rPr lang="de-DE" dirty="0" err="1"/>
+              <a:t>correct</a:t>
+            </a:r>
+            <a:r>
+              <a:rPr lang="de-DE" dirty="0"/>
+              <a:t> </a:t>
+            </a:r>
+            <a:r>
+              <a:rPr lang="de-DE" dirty="0" err="1"/>
+              <a:t>word</a:t>
+            </a:r>
+            <a:r>
+              <a:rPr lang="de-DE" dirty="0"/>
+              <a:t> </a:t>
+            </a:r>
+            <a:r>
+              <a:rPr lang="de-DE" dirty="0" err="1"/>
+              <a:t>extracted</a:t>
+            </a:r>
+            <a:endParaRPr lang="de-DE" dirty="0"/>
+          </a:p>
+          <a:p>
+            <a:endParaRPr lang="de-DE" dirty="0"/>
+          </a:p>
+          <a:p>
+            <a:endParaRPr lang="de-DE" dirty="0"/>
+          </a:p>
+          <a:p>
+            <a:r>
+              <a:rPr lang="de-DE" dirty="0" err="1"/>
+              <a:t>Again</a:t>
+            </a:r>
+            <a:r>
+              <a:rPr lang="de-DE" dirty="0"/>
+              <a:t> </a:t>
+            </a:r>
+            <a:r>
+              <a:rPr lang="de-DE" dirty="0" err="1"/>
+              <a:t>we</a:t>
+            </a:r>
+            <a:r>
+              <a:rPr lang="de-DE" dirty="0"/>
+              <a:t> </a:t>
+            </a:r>
+            <a:r>
+              <a:rPr lang="de-DE" dirty="0" err="1"/>
+              <a:t>are</a:t>
+            </a:r>
+            <a:r>
+              <a:rPr lang="de-DE" dirty="0"/>
+              <a:t> </a:t>
+            </a:r>
+            <a:r>
+              <a:rPr lang="de-DE" dirty="0" err="1"/>
+              <a:t>very</a:t>
+            </a:r>
+            <a:r>
+              <a:rPr lang="de-DE" dirty="0"/>
+              <a:t> happy </a:t>
+            </a:r>
+            <a:r>
+              <a:rPr lang="de-DE" dirty="0" err="1"/>
+              <a:t>to</a:t>
+            </a:r>
+            <a:r>
+              <a:rPr lang="de-DE" dirty="0"/>
+              <a:t> </a:t>
+            </a:r>
+            <a:r>
+              <a:rPr lang="de-DE" dirty="0" err="1"/>
+              <a:t>hear</a:t>
+            </a:r>
+            <a:r>
+              <a:rPr lang="de-DE" dirty="0"/>
+              <a:t> </a:t>
+            </a:r>
+            <a:r>
+              <a:rPr lang="de-DE" dirty="0" err="1"/>
+              <a:t>your</a:t>
+            </a:r>
+            <a:r>
+              <a:rPr lang="de-DE" dirty="0"/>
+              <a:t> </a:t>
+            </a:r>
+            <a:r>
+              <a:rPr lang="de-DE" dirty="0" err="1"/>
+              <a:t>feedback</a:t>
+            </a:r>
+            <a:r>
+              <a:rPr lang="de-DE" dirty="0"/>
+              <a:t> </a:t>
+            </a:r>
+            <a:r>
+              <a:rPr lang="de-DE" dirty="0" err="1"/>
+              <a:t>and</a:t>
+            </a:r>
+            <a:r>
+              <a:rPr lang="de-DE" dirty="0"/>
+              <a:t> </a:t>
+            </a:r>
+            <a:r>
+              <a:rPr lang="de-DE" dirty="0" err="1"/>
+              <a:t>ideas</a:t>
+            </a:r>
+            <a:r>
+              <a:rPr lang="de-DE" dirty="0"/>
+              <a:t> on </a:t>
+            </a:r>
+            <a:r>
+              <a:rPr lang="de-DE" dirty="0" err="1"/>
+              <a:t>thes</a:t>
+            </a:r>
+            <a:r>
+              <a:rPr lang="de-DE" dirty="0"/>
+              <a:t> </a:t>
+            </a:r>
+            <a:r>
+              <a:rPr lang="de-DE" dirty="0" err="1"/>
+              <a:t>issues</a:t>
+            </a:r>
+            <a:r>
+              <a:rPr lang="de-DE" dirty="0"/>
+              <a:t>.</a:t>
+            </a:r>
+          </a:p>
+          <a:p>
+            <a:endParaRPr lang="de-DE" dirty="0"/>
+          </a:p>
+          <a:p>
+            <a:r>
+              <a:rPr lang="de-DE" dirty="0" err="1"/>
+              <a:t>Thank</a:t>
+            </a:r>
+            <a:r>
+              <a:rPr lang="de-DE" dirty="0"/>
+              <a:t> </a:t>
+            </a:r>
+            <a:r>
+              <a:rPr lang="de-DE" dirty="0" err="1"/>
+              <a:t>you</a:t>
+            </a:r>
+            <a:r>
+              <a:rPr lang="de-DE" dirty="0"/>
+              <a:t> </a:t>
+            </a:r>
+            <a:r>
+              <a:rPr lang="de-DE" dirty="0" err="1"/>
+              <a:t>for</a:t>
+            </a:r>
+            <a:r>
+              <a:rPr lang="de-DE" dirty="0"/>
+              <a:t> </a:t>
+            </a:r>
+            <a:r>
+              <a:rPr lang="de-DE" dirty="0" err="1"/>
+              <a:t>your</a:t>
+            </a:r>
+            <a:r>
+              <a:rPr lang="de-DE"/>
+              <a:t> time!</a:t>
+            </a:r>
+            <a:endParaRPr lang="de-DE" dirty="0"/>
+          </a:p>
+        </p:txBody>
+      </p:sp>
+    </p:spTree>
+    <p:extLst>
+      <p:ext uri="{BB962C8B-B14F-4D97-AF65-F5344CB8AC3E}">
+        <p14:creationId xmlns:p14="http://schemas.microsoft.com/office/powerpoint/2010/main" val="3136335809"/>
+      </p:ext>
+    </p:extLst>
+  </p:cSld>
+  <p:clrMapOvr>
+    <a:masterClrMapping/>
+  </p:clrMapOvr>
+</p:notes>
+</file>
+
 <file path=ppt/slideLayouts/slideLayout1.xml><?xml version="1.0" encoding="utf-8"?>
 <p:sldLayout xmlns:a="http://schemas.openxmlformats.org/drawingml/2006/main" xmlns:r="http://schemas.openxmlformats.org/officeDocument/2006/relationships" xmlns:p="http://schemas.openxmlformats.org/presentationml/2006/main" showMasterSp="0" type="tx">
   <p:cSld name="Titelfolie">
@@ -1450,7 +4259,7 @@
           <a:lstStyle/>
           <a:p>
             <a:fld id="{86CB4B4D-7CA3-9044-876B-883B54F8677D}" type="slidenum">
-              <a:t>‹#›</a:t>
+              <a:t>‹Nr.›</a:t>
             </a:fld>
             <a:endParaRPr/>
           </a:p>
@@ -1838,7 +4647,7 @@
           <a:lstStyle/>
           <a:p>
             <a:fld id="{86CB4B4D-7CA3-9044-876B-883B54F8677D}" type="slidenum">
-              <a:t>‹#›</a:t>
+              <a:t>‹Nr.›</a:t>
             </a:fld>
             <a:endParaRPr/>
           </a:p>
@@ -2179,7 +4988,7 @@
           <a:lstStyle/>
           <a:p>
             <a:fld id="{86CB4B4D-7CA3-9044-876B-883B54F8677D}" type="slidenum">
-              <a:t>‹#›</a:t>
+              <a:t>‹Nr.›</a:t>
             </a:fld>
             <a:endParaRPr/>
           </a:p>
@@ -2567,7 +5376,7 @@
           <a:lstStyle/>
           <a:p>
             <a:fld id="{86CB4B4D-7CA3-9044-876B-883B54F8677D}" type="slidenum">
-              <a:t>‹#›</a:t>
+              <a:t>‹Nr.›</a:t>
             </a:fld>
             <a:endParaRPr/>
           </a:p>
@@ -2912,7 +5721,7 @@
           <a:lstStyle/>
           <a:p>
             <a:fld id="{86CB4B4D-7CA3-9044-876B-883B54F8677D}" type="slidenum">
-              <a:t>‹#›</a:t>
+              <a:t>‹Nr.›</a:t>
             </a:fld>
             <a:endParaRPr/>
           </a:p>
@@ -3323,7 +6132,7 @@
           <a:lstStyle/>
           <a:p>
             <a:fld id="{86CB4B4D-7CA3-9044-876B-883B54F8677D}" type="slidenum">
-              <a:t>‹#›</a:t>
+              <a:t>‹Nr.›</a:t>
             </a:fld>
             <a:endParaRPr/>
           </a:p>
@@ -3615,7 +6424,7 @@
           <a:lstStyle/>
           <a:p>
             <a:fld id="{86CB4B4D-7CA3-9044-876B-883B54F8677D}" type="slidenum">
-              <a:t>‹#›</a:t>
+              <a:t>‹Nr.›</a:t>
             </a:fld>
             <a:endParaRPr/>
           </a:p>
@@ -3878,7 +6687,7 @@
           <a:lstStyle/>
           <a:p>
             <a:fld id="{86CB4B4D-7CA3-9044-876B-883B54F8677D}" type="slidenum">
-              <a:t>‹#›</a:t>
+              <a:t>‹Nr.›</a:t>
             </a:fld>
             <a:endParaRPr/>
           </a:p>
@@ -4285,7 +7094,7 @@
           <a:lstStyle/>
           <a:p>
             <a:fld id="{86CB4B4D-7CA3-9044-876B-883B54F8677D}" type="slidenum">
-              <a:t>‹#›</a:t>
+              <a:t>‹Nr.›</a:t>
             </a:fld>
             <a:endParaRPr/>
           </a:p>
@@ -4702,7 +7511,7 @@
           <a:lstStyle/>
           <a:p>
             <a:fld id="{86CB4B4D-7CA3-9044-876B-883B54F8677D}" type="slidenum">
-              <a:t>‹#›</a:t>
+              <a:t>‹Nr.›</a:t>
             </a:fld>
             <a:endParaRPr/>
           </a:p>
@@ -5090,7 +7899,7 @@
           <a:lstStyle/>
           <a:p>
             <a:fld id="{86CB4B4D-7CA3-9044-876B-883B54F8677D}" type="slidenum">
-              <a:t>‹#›</a:t>
+              <a:t>‹Nr.›</a:t>
             </a:fld>
             <a:endParaRPr/>
           </a:p>
@@ -5216,7 +8025,7 @@
           <a:lstStyle/>
           <a:p>
             <a:fld id="{86CB4B4D-7CA3-9044-876B-883B54F8677D}" type="slidenum">
-              <a:t>‹#›</a:t>
+              <a:t>‹Nr.›</a:t>
             </a:fld>
             <a:endParaRPr/>
           </a:p>
@@ -5557,7 +8366,7 @@
           <a:lstStyle/>
           <a:p>
             <a:fld id="{86CB4B4D-7CA3-9044-876B-883B54F8677D}" type="slidenum">
-              <a:t>‹#›</a:t>
+              <a:t>‹Nr.›</a:t>
             </a:fld>
             <a:endParaRPr/>
           </a:p>
@@ -5945,7 +8754,7 @@
           <a:lstStyle/>
           <a:p>
             <a:fld id="{86CB4B4D-7CA3-9044-876B-883B54F8677D}" type="slidenum">
-              <a:t>‹#›</a:t>
+              <a:t>‹Nr.›</a:t>
             </a:fld>
             <a:endParaRPr/>
           </a:p>
@@ -6290,7 +9099,7 @@
           <a:lstStyle/>
           <a:p>
             <a:fld id="{86CB4B4D-7CA3-9044-876B-883B54F8677D}" type="slidenum">
-              <a:t>‹#›</a:t>
+              <a:t>‹Nr.›</a:t>
             </a:fld>
             <a:endParaRPr/>
           </a:p>
@@ -6701,7 +9510,7 @@
           <a:lstStyle/>
           <a:p>
             <a:fld id="{86CB4B4D-7CA3-9044-876B-883B54F8677D}" type="slidenum">
-              <a:t>‹#›</a:t>
+              <a:t>‹Nr.›</a:t>
             </a:fld>
             <a:endParaRPr/>
           </a:p>
@@ -6993,7 +9802,7 @@
           <a:lstStyle/>
           <a:p>
             <a:fld id="{86CB4B4D-7CA3-9044-876B-883B54F8677D}" type="slidenum">
-              <a:t>‹#›</a:t>
+              <a:t>‹Nr.›</a:t>
             </a:fld>
             <a:endParaRPr/>
           </a:p>
@@ -7256,7 +10065,7 @@
           <a:lstStyle/>
           <a:p>
             <a:fld id="{86CB4B4D-7CA3-9044-876B-883B54F8677D}" type="slidenum">
-              <a:t>‹#›</a:t>
+              <a:t>‹Nr.›</a:t>
             </a:fld>
             <a:endParaRPr/>
           </a:p>
@@ -7663,7 +10472,7 @@
           <a:lstStyle/>
           <a:p>
             <a:fld id="{86CB4B4D-7CA3-9044-876B-883B54F8677D}" type="slidenum">
-              <a:t>‹#›</a:t>
+              <a:t>‹Nr.›</a:t>
             </a:fld>
             <a:endParaRPr/>
           </a:p>
@@ -8080,7 +10889,7 @@
           <a:lstStyle/>
           <a:p>
             <a:fld id="{86CB4B4D-7CA3-9044-876B-883B54F8677D}" type="slidenum">
-              <a:t>‹#›</a:t>
+              <a:t>‹Nr.›</a:t>
             </a:fld>
             <a:endParaRPr/>
           </a:p>
@@ -8468,7 +11277,7 @@
           <a:lstStyle/>
           <a:p>
             <a:fld id="{86CB4B4D-7CA3-9044-876B-883B54F8677D}" type="slidenum">
-              <a:t>‹#›</a:t>
+              <a:t>‹Nr.›</a:t>
             </a:fld>
             <a:endParaRPr/>
           </a:p>
@@ -8809,7 +11618,7 @@
           <a:lstStyle/>
           <a:p>
             <a:fld id="{86CB4B4D-7CA3-9044-876B-883B54F8677D}" type="slidenum">
-              <a:t>‹#›</a:t>
+              <a:t>‹Nr.›</a:t>
             </a:fld>
             <a:endParaRPr/>
           </a:p>
@@ -9197,7 +12006,7 @@
           <a:lstStyle/>
           <a:p>
             <a:fld id="{86CB4B4D-7CA3-9044-876B-883B54F8677D}" type="slidenum">
-              <a:t>‹#›</a:t>
+              <a:t>‹Nr.›</a:t>
             </a:fld>
             <a:endParaRPr/>
           </a:p>
@@ -9585,7 +12394,7 @@
           <a:lstStyle/>
           <a:p>
             <a:fld id="{86CB4B4D-7CA3-9044-876B-883B54F8677D}" type="slidenum">
-              <a:t>‹#›</a:t>
+              <a:t>‹Nr.›</a:t>
             </a:fld>
             <a:endParaRPr/>
           </a:p>
@@ -9930,7 +12739,7 @@
           <a:lstStyle/>
           <a:p>
             <a:fld id="{86CB4B4D-7CA3-9044-876B-883B54F8677D}" type="slidenum">
-              <a:t>‹#›</a:t>
+              <a:t>‹Nr.›</a:t>
             </a:fld>
             <a:endParaRPr/>
           </a:p>
@@ -10341,7 +13150,7 @@
           <a:lstStyle/>
           <a:p>
             <a:fld id="{86CB4B4D-7CA3-9044-876B-883B54F8677D}" type="slidenum">
-              <a:t>‹#›</a:t>
+              <a:t>‹Nr.›</a:t>
             </a:fld>
             <a:endParaRPr/>
           </a:p>
@@ -10633,7 +13442,7 @@
           <a:lstStyle/>
           <a:p>
             <a:fld id="{86CB4B4D-7CA3-9044-876B-883B54F8677D}" type="slidenum">
-              <a:t>‹#›</a:t>
+              <a:t>‹Nr.›</a:t>
             </a:fld>
             <a:endParaRPr/>
           </a:p>
@@ -10896,7 +13705,7 @@
           <a:lstStyle/>
           <a:p>
             <a:fld id="{86CB4B4D-7CA3-9044-876B-883B54F8677D}" type="slidenum">
-              <a:t>‹#›</a:t>
+              <a:t>‹Nr.›</a:t>
             </a:fld>
             <a:endParaRPr/>
           </a:p>
@@ -11303,7 +14112,7 @@
           <a:lstStyle/>
           <a:p>
             <a:fld id="{86CB4B4D-7CA3-9044-876B-883B54F8677D}" type="slidenum">
-              <a:t>‹#›</a:t>
+              <a:t>‹Nr.›</a:t>
             </a:fld>
             <a:endParaRPr/>
           </a:p>
@@ -11720,7 +14529,7 @@
           <a:lstStyle/>
           <a:p>
             <a:fld id="{86CB4B4D-7CA3-9044-876B-883B54F8677D}" type="slidenum">
-              <a:t>‹#›</a:t>
+              <a:t>‹Nr.›</a:t>
             </a:fld>
             <a:endParaRPr/>
           </a:p>
@@ -12061,7 +14870,7 @@
           <a:lstStyle/>
           <a:p>
             <a:fld id="{86CB4B4D-7CA3-9044-876B-883B54F8677D}" type="slidenum">
-              <a:t>‹#›</a:t>
+              <a:t>‹Nr.›</a:t>
             </a:fld>
             <a:endParaRPr/>
           </a:p>
@@ -12472,7 +15281,7 @@
           <a:lstStyle/>
           <a:p>
             <a:fld id="{86CB4B4D-7CA3-9044-876B-883B54F8677D}" type="slidenum">
-              <a:t>‹#›</a:t>
+              <a:t>‹Nr.›</a:t>
             </a:fld>
             <a:endParaRPr/>
           </a:p>
@@ -12760,7 +15569,7 @@
           <a:lstStyle/>
           <a:p>
             <a:fld id="{86CB4B4D-7CA3-9044-876B-883B54F8677D}" type="slidenum">
-              <a:t>‹#›</a:t>
+              <a:t>‹Nr.›</a:t>
             </a:fld>
             <a:endParaRPr/>
           </a:p>
@@ -13023,7 +15832,7 @@
           <a:lstStyle/>
           <a:p>
             <a:fld id="{86CB4B4D-7CA3-9044-876B-883B54F8677D}" type="slidenum">
-              <a:t>‹#›</a:t>
+              <a:t>‹Nr.›</a:t>
             </a:fld>
             <a:endParaRPr/>
           </a:p>
@@ -13430,7 +16239,7 @@
           <a:lstStyle/>
           <a:p>
             <a:fld id="{86CB4B4D-7CA3-9044-876B-883B54F8677D}" type="slidenum">
-              <a:t>‹#›</a:t>
+              <a:t>‹Nr.›</a:t>
             </a:fld>
             <a:endParaRPr/>
           </a:p>
@@ -13847,7 +16656,7 @@
           <a:lstStyle/>
           <a:p>
             <a:fld id="{86CB4B4D-7CA3-9044-876B-883B54F8677D}" type="slidenum">
-              <a:t>‹#›</a:t>
+              <a:t>‹Nr.›</a:t>
             </a:fld>
             <a:endParaRPr/>
           </a:p>
@@ -14238,7 +17047,7 @@
           </a:lstStyle>
           <a:p>
             <a:fld id="{86CB4B4D-7CA3-9044-876B-883B54F8677D}" type="slidenum">
-              <a:t>‹#›</a:t>
+              <a:t>‹Nr.›</a:t>
             </a:fld>
             <a:endParaRPr/>
           </a:p>
@@ -15702,7 +18511,13 @@
         <p:nvGraphicFramePr>
           <p:cNvPr id="572" name="Tabelle 1"/>
           <p:cNvGraphicFramePr/>
-          <p:nvPr/>
+          <p:nvPr>
+            <p:extLst>
+              <p:ext uri="{D42A27DB-BD31-4B8C-83A1-F6EECF244321}">
+                <p14:modId xmlns:p14="http://schemas.microsoft.com/office/powerpoint/2010/main" val="3430023834"/>
+              </p:ext>
+            </p:extLst>
+          </p:nvPr>
         </p:nvGraphicFramePr>
         <p:xfrm>
           <a:off x="478366" y="1715678"/>
@@ -15785,6 +18600,7 @@
                         </a:defRPr>
                       </a:pPr>
                       <a:r>
+                        <a:rPr dirty="0"/>
                         <a:t>AWS  cloud based service to extract data from scanned documents using machine learning</a:t>
                       </a:r>
                     </a:p>
@@ -15800,7 +18616,16 @@
                         </a:defRPr>
                       </a:pPr>
                       <a:r>
-                        <a:t>made for scanned documents that do not contain actual text</a:t>
+                        <a:rPr lang="de-DE" dirty="0"/>
+                        <a:t>M</a:t>
+                      </a:r>
+                      <a:r>
+                        <a:rPr dirty="0" err="1"/>
+                        <a:t>ade</a:t>
+                      </a:r>
+                      <a:r>
+                        <a:rPr dirty="0"/>
+                        <a:t> for scanned documents that do not contain actual text</a:t>
                       </a:r>
                     </a:p>
                     <a:p>
@@ -15815,7 +18640,16 @@
                         </a:defRPr>
                       </a:pPr>
                       <a:r>
-                        <a:t>expensive and not open source</a:t>
+                        <a:rPr lang="de-DE" dirty="0"/>
+                        <a:t>E</a:t>
+                      </a:r>
+                      <a:r>
+                        <a:rPr dirty="0" err="1"/>
+                        <a:t>xpensive</a:t>
+                      </a:r>
+                      <a:r>
+                        <a:rPr dirty="0"/>
+                        <a:t> and not open source</a:t>
                       </a:r>
                     </a:p>
                   </a:txBody>
@@ -15971,6 +18805,7 @@
                         </a:defRPr>
                       </a:pPr>
                       <a:r>
+                        <a:rPr dirty="0"/>
                         <a:t>Java based toolkit to parse PDF Documents and it‘s metadata and extract into HTML format extraction</a:t>
                       </a:r>
                     </a:p>
@@ -15986,8 +18821,22 @@
                         </a:defRPr>
                       </a:pPr>
                       <a:r>
-                        <a:t>powerful</a:t>
+                        <a:rPr lang="de-DE" dirty="0"/>
+                        <a:t>P</a:t>
                       </a:r>
+                      <a:r>
+                        <a:rPr dirty="0" err="1"/>
+                        <a:t>owerful</a:t>
+                      </a:r>
+                      <a:r>
+                        <a:rPr lang="de-DE" dirty="0"/>
+                        <a:t> </a:t>
+                      </a:r>
+                      <a:r>
+                        <a:rPr lang="de-DE" dirty="0" err="1"/>
+                        <a:t>toolset</a:t>
+                      </a:r>
+                      <a:endParaRPr dirty="0"/>
                     </a:p>
                   </a:txBody>
                   <a:tcPr marL="45720" marR="45720" horzOverflow="overflow">
@@ -16067,6 +18916,7 @@
                         </a:defRPr>
                       </a:pPr>
                       <a:r>
+                        <a:rPr dirty="0"/>
                         <a:t>Open Source Java Library</a:t>
                       </a:r>
                     </a:p>
@@ -16082,8 +18932,22 @@
                         </a:defRPr>
                       </a:pPr>
                       <a:r>
-                        <a:t>powerful</a:t>
+                        <a:rPr lang="de-DE" dirty="0"/>
+                        <a:t>P</a:t>
                       </a:r>
+                      <a:r>
+                        <a:rPr dirty="0" err="1"/>
+                        <a:t>owerful</a:t>
+                      </a:r>
+                      <a:r>
+                        <a:rPr lang="de-DE" dirty="0"/>
+                        <a:t> </a:t>
+                      </a:r>
+                      <a:r>
+                        <a:rPr lang="de-DE" dirty="0" err="1"/>
+                        <a:t>toolset</a:t>
+                      </a:r>
+                      <a:endParaRPr dirty="0"/>
                     </a:p>
                     <a:p>
                       <a:pPr marL="171450" indent="-171450" algn="l">
@@ -16097,8 +18961,26 @@
                         </a:defRPr>
                       </a:pPr>
                       <a:r>
-                        <a:t>well documented and integrated</a:t>
+                        <a:rPr lang="de-DE" dirty="0"/>
+                        <a:t>W</a:t>
                       </a:r>
+                      <a:r>
+                        <a:rPr dirty="0"/>
+                        <a:t>ell documented and integrated</a:t>
+                      </a:r>
+                      <a:r>
+                        <a:rPr lang="de-DE" dirty="0"/>
+                        <a:t> </a:t>
+                      </a:r>
+                      <a:r>
+                        <a:rPr lang="de-DE" dirty="0" err="1"/>
+                        <a:t>into</a:t>
+                      </a:r>
+                      <a:r>
+                        <a:rPr lang="de-DE" dirty="0"/>
+                        <a:t> Java</a:t>
+                      </a:r>
+                      <a:endParaRPr dirty="0"/>
                     </a:p>
                   </a:txBody>
                   <a:tcPr marL="45720" marR="45720" horzOverflow="overflow">
@@ -16165,7 +19047,7 @@
                           <a:cs typeface="Arial"/>
                         </a:defRPr>
                       </a:pPr>
-                      <a:endParaRPr/>
+                      <a:endParaRPr dirty="0"/>
                     </a:p>
                   </a:txBody>
                   <a:tcPr marL="45720" marR="45720" horzOverflow="overflow">
@@ -16896,8 +19778,8 @@
           </p:txBody>
         </p:sp>
       </p:grpSp>
-      <mc:AlternateContent xmlns:mc="http://schemas.openxmlformats.org/markup-compatibility/2006">
-        <mc:Choice xmlns:a14="http://schemas.microsoft.com/office/drawing/2010/main" Requires="a14">
+      <mc:AlternateContent xmlns:mc="http://schemas.openxmlformats.org/markup-compatibility/2006" xmlns:a14="http://schemas.microsoft.com/office/drawing/2010/main">
+        <mc:Choice Requires="a14">
           <p:sp>
             <p:nvSpPr>
               <p:cNvPr id="594" name="Textfeld 1"/>
@@ -17592,7 +20474,7 @@
             </p:txBody>
           </p:sp>
         </mc:Choice>
-        <mc:Fallback>
+        <mc:Fallback xmlns="">
           <p:sp>
             <p:nvSpPr>
               <p:cNvPr id="594" name="Textfeld 1"/>
@@ -18611,7 +21493,7 @@
           <p:nvPr/>
         </p:nvPicPr>
         <p:blipFill>
-          <a:blip r:embed="rId2"/>
+          <a:blip r:embed="rId3"/>
           <a:srcRect t="7808" b="3819"/>
           <a:stretch>
             <a:fillRect/>
@@ -18636,15 +21518,15 @@
         <p:nvCxnSpPr>
           <p:cNvPr id="613" name="Gerade Verbindung mit Pfeil 19"/>
           <p:cNvCxnSpPr>
-            <a:stCxn id="614" idx="0"/>
-            <a:endCxn id="615" idx="0"/>
+            <a:cxnSpLocks/>
+            <a:stCxn id="614" idx="3"/>
           </p:cNvCxnSpPr>
           <p:nvPr/>
         </p:nvCxnSpPr>
         <p:spPr>
           <a:xfrm>
-            <a:off x="4339676" y="5910833"/>
-            <a:ext cx="2429600" cy="234322"/>
+            <a:off x="4787649" y="5910834"/>
+            <a:ext cx="688936" cy="127235"/>
           </a:xfrm>
           <a:prstGeom prst="straightConnector1">
             <a:avLst/>
@@ -19170,6 +22052,124 @@
           </a:p>
         </p:txBody>
       </p:sp>
+      <p:sp>
+        <p:nvSpPr>
+          <p:cNvPr id="20" name="Textfeld 20">
+            <a:extLst>
+              <a:ext uri="{FF2B5EF4-FFF2-40B4-BE49-F238E27FC236}">
+                <a16:creationId xmlns:a16="http://schemas.microsoft.com/office/drawing/2014/main" id="{21EFD45B-8255-744F-8617-967745C84FA4}"/>
+              </a:ext>
+            </a:extLst>
+          </p:cNvPr>
+          <p:cNvSpPr txBox="1"/>
+          <p:nvPr/>
+        </p:nvSpPr>
+        <p:spPr>
+          <a:xfrm>
+            <a:off x="9367707" y="1656583"/>
+            <a:ext cx="1443727" cy="349964"/>
+          </a:xfrm>
+          <a:prstGeom prst="rect">
+            <a:avLst/>
+          </a:prstGeom>
+          <a:ln w="12700">
+            <a:miter lim="400000"/>
+          </a:ln>
+          <a:extLst>
+            <a:ext uri="{C572A759-6A51-4108-AA02-DFA0A04FC94B}">
+              <ma14:wrappingTextBoxFlag xmlns="" xmlns:m="http://schemas.openxmlformats.org/officeDocument/2006/math" xmlns:a14="http://schemas.microsoft.com/office/drawing/2010/main" xmlns:ma14="http://schemas.microsoft.com/office/mac/drawingml/2011/main" val="1"/>
+            </a:ext>
+          </a:extLst>
+        </p:spPr>
+        <p:txBody>
+          <a:bodyPr wrap="square" lIns="45718" tIns="45718" rIns="45718" bIns="45718">
+            <a:spAutoFit/>
+          </a:bodyPr>
+          <a:lstStyle>
+            <a:lvl1pPr>
+              <a:defRPr>
+                <a:solidFill>
+                  <a:srgbClr val="FF0000"/>
+                </a:solidFill>
+                <a:latin typeface="Arial"/>
+                <a:ea typeface="Arial"/>
+                <a:cs typeface="Arial"/>
+                <a:sym typeface="Arial"/>
+              </a:defRPr>
+            </a:lvl1pPr>
+          </a:lstStyle>
+          <a:p>
+            <a:r>
+              <a:rPr lang="de-DE" dirty="0"/>
+              <a:t>Headlines</a:t>
+            </a:r>
+            <a:endParaRPr dirty="0"/>
+          </a:p>
+        </p:txBody>
+      </p:sp>
+      <p:cxnSp>
+        <p:nvCxnSpPr>
+          <p:cNvPr id="21" name="Gerade Verbindung mit Pfeil 19">
+            <a:extLst>
+              <a:ext uri="{FF2B5EF4-FFF2-40B4-BE49-F238E27FC236}">
+                <a16:creationId xmlns:a16="http://schemas.microsoft.com/office/drawing/2014/main" id="{09168B2D-11FF-F243-8823-425D133AB8EB}"/>
+              </a:ext>
+            </a:extLst>
+          </p:cNvPr>
+          <p:cNvCxnSpPr>
+            <a:cxnSpLocks/>
+            <a:stCxn id="20" idx="1"/>
+          </p:cNvCxnSpPr>
+          <p:nvPr/>
+        </p:nvCxnSpPr>
+        <p:spPr>
+          <a:xfrm flipH="1" flipV="1">
+            <a:off x="6141851" y="1726615"/>
+            <a:ext cx="3225856" cy="104950"/>
+          </a:xfrm>
+          <a:prstGeom prst="straightConnector1">
+            <a:avLst/>
+          </a:prstGeom>
+          <a:ln w="12700">
+            <a:solidFill>
+              <a:srgbClr val="FF0000"/>
+            </a:solidFill>
+            <a:miter/>
+            <a:tailEnd type="triangle"/>
+          </a:ln>
+        </p:spPr>
+      </p:cxnSp>
+      <p:cxnSp>
+        <p:nvCxnSpPr>
+          <p:cNvPr id="24" name="Gerade Verbindung mit Pfeil 19">
+            <a:extLst>
+              <a:ext uri="{FF2B5EF4-FFF2-40B4-BE49-F238E27FC236}">
+                <a16:creationId xmlns:a16="http://schemas.microsoft.com/office/drawing/2014/main" id="{7DA56D41-2510-0D45-B51F-0EFC7D59248E}"/>
+              </a:ext>
+            </a:extLst>
+          </p:cNvPr>
+          <p:cNvCxnSpPr>
+            <a:cxnSpLocks/>
+          </p:cNvCxnSpPr>
+          <p:nvPr/>
+        </p:nvCxnSpPr>
+        <p:spPr>
+          <a:xfrm flipH="1">
+            <a:off x="5874807" y="1837979"/>
+            <a:ext cx="3492900" cy="1200664"/>
+          </a:xfrm>
+          <a:prstGeom prst="straightConnector1">
+            <a:avLst/>
+          </a:prstGeom>
+          <a:ln w="12700">
+            <a:solidFill>
+              <a:srgbClr val="FF0000"/>
+            </a:solidFill>
+            <a:miter/>
+            <a:tailEnd type="triangle"/>
+          </a:ln>
+        </p:spPr>
+      </p:cxnSp>
     </p:spTree>
   </p:cSld>
   <p:clrMapOvr>
@@ -19221,7 +22221,7 @@
           <a:p>
             <a:r>
               <a:rPr lang="en-US" altLang="zh-CN" dirty="0"/>
-              <a:t>Examples of special cases</a:t>
+              <a:t>Further Problems: Special Cases</a:t>
             </a:r>
             <a:endParaRPr dirty="0"/>
           </a:p>
@@ -19786,7 +22786,7 @@
           <p:nvPr/>
         </p:nvPicPr>
         <p:blipFill rotWithShape="1">
-          <a:blip r:embed="rId2">
+          <a:blip r:embed="rId3">
             <a:extLst>
               <a:ext uri="{28A0092B-C50C-407E-A947-70E740481C1C}">
                 <a14:useLocalDpi xmlns:a14="http://schemas.microsoft.com/office/drawing/2010/main" val="0"/>
@@ -19821,7 +22821,7 @@
           <p:nvPr/>
         </p:nvPicPr>
         <p:blipFill>
-          <a:blip r:embed="rId3">
+          <a:blip r:embed="rId4">
             <a:extLst>
               <a:ext uri="{28A0092B-C50C-407E-A947-70E740481C1C}">
                 <a14:useLocalDpi xmlns:a14="http://schemas.microsoft.com/office/drawing/2010/main" val="0"/>
@@ -19857,7 +22857,7 @@
           <p:nvPr/>
         </p:nvPicPr>
         <p:blipFill>
-          <a:blip r:embed="rId4">
+          <a:blip r:embed="rId5">
             <a:extLst>
               <a:ext uri="{28A0092B-C50C-407E-A947-70E740481C1C}">
                 <a14:useLocalDpi xmlns:a14="http://schemas.microsoft.com/office/drawing/2010/main" val="0"/>
@@ -20008,7 +23008,7 @@
                   <a:srgbClr val="FF0000"/>
                 </a:solidFill>
               </a:rPr>
-              <a:t>mathematics symbols</a:t>
+              <a:t>special symbols</a:t>
             </a:r>
             <a:endParaRPr kumimoji="0" lang="zh-CN" altLang="en-US" sz="1800" b="0" i="0" u="none" strike="noStrike" cap="none" spc="0" normalizeH="0" baseline="0" dirty="0">
               <a:ln>
@@ -20284,8 +23284,8 @@
         </p:nvSpPr>
         <p:spPr>
           <a:xfrm>
-            <a:off x="4764464" y="1504849"/>
-            <a:ext cx="1790859" cy="349964"/>
+            <a:off x="4610112" y="1799200"/>
+            <a:ext cx="1790859" cy="607598"/>
           </a:xfrm>
           <a:prstGeom prst="rect">
             <a:avLst/>
@@ -20338,24 +23338,15 @@
                   <a:srgbClr val="FF0000"/>
                 </a:solidFill>
               </a:rPr>
-              <a:t>p</a:t>
-            </a:r>
-            <a:r>
-              <a:rPr kumimoji="0" lang="en-US" altLang="zh-CN" sz="1800" b="0" i="0" u="none" strike="noStrike" cap="none" spc="0" normalizeH="0" baseline="0" dirty="0">
-                <a:ln>
-                  <a:noFill/>
-                </a:ln>
+              <a:t>Line break due to long </a:t>
+            </a:r>
+            <a:r>
+              <a:rPr lang="en-US" altLang="zh-CN" dirty="0" err="1">
                 <a:solidFill>
                   <a:srgbClr val="FF0000"/>
                 </a:solidFill>
-                <a:effectLst/>
-                <a:uFillTx/>
-                <a:latin typeface="+mj-lt"/>
-                <a:ea typeface="+mj-ea"/>
-                <a:cs typeface="+mj-cs"/>
-                <a:sym typeface="Times New Roman"/>
               </a:rPr>
-              <a:t>hrase is too long</a:t>
+              <a:t>entrys</a:t>
             </a:r>
             <a:endParaRPr kumimoji="0" lang="zh-CN" altLang="en-US" sz="1800" b="0" i="0" u="none" strike="noStrike" cap="none" spc="0" normalizeH="0" baseline="0" dirty="0">
               <a:ln>
@@ -20388,7 +23379,7 @@
         </p:nvSpPr>
         <p:spPr>
           <a:xfrm>
-            <a:off x="7986614" y="4804439"/>
+            <a:off x="7375562" y="5056660"/>
             <a:ext cx="1503348" cy="607598"/>
           </a:xfrm>
           <a:prstGeom prst="rect">
@@ -20447,95 +23438,102 @@
       </p:sp>
       <p:cxnSp>
         <p:nvCxnSpPr>
-          <p:cNvPr id="20" name="直接箭头连接符 19">
+          <p:cNvPr id="19" name="Gerade Verbindung mit Pfeil 19">
             <a:extLst>
               <a:ext uri="{FF2B5EF4-FFF2-40B4-BE49-F238E27FC236}">
-                <a16:creationId xmlns:a16="http://schemas.microsoft.com/office/drawing/2014/main" id="{44952684-7296-488B-A9DB-5259280C2620}"/>
-              </a:ext>
-            </a:extLst>
-          </p:cNvPr>
-          <p:cNvCxnSpPr/>
-          <p:nvPr/>
-        </p:nvCxnSpPr>
-        <p:spPr>
-          <a:xfrm flipH="1" flipV="1">
-            <a:off x="9100329" y="5345026"/>
-            <a:ext cx="299049" cy="303799"/>
-          </a:xfrm>
-          <a:prstGeom prst="straightConnector1">
-            <a:avLst/>
-          </a:prstGeom>
-          <a:noFill/>
-          <a:ln w="25400" cap="flat">
-            <a:solidFill>
-              <a:srgbClr val="FF0000"/>
-            </a:solidFill>
-            <a:prstDash val="solid"/>
-            <a:round/>
-            <a:tailEnd type="triangle"/>
-          </a:ln>
-          <a:effectLst/>
-          <a:sp3d/>
-        </p:spPr>
-        <p:style>
-          <a:lnRef idx="0">
-            <a:scrgbClr r="0" g="0" b="0"/>
-          </a:lnRef>
-          <a:fillRef idx="0">
-            <a:scrgbClr r="0" g="0" b="0"/>
-          </a:fillRef>
-          <a:effectRef idx="0">
-            <a:scrgbClr r="0" g="0" b="0"/>
-          </a:effectRef>
-          <a:fontRef idx="none"/>
-        </p:style>
-      </p:cxnSp>
-      <p:cxnSp>
-        <p:nvCxnSpPr>
-          <p:cNvPr id="22" name="直接箭头连接符 21">
-            <a:extLst>
-              <a:ext uri="{FF2B5EF4-FFF2-40B4-BE49-F238E27FC236}">
-                <a16:creationId xmlns:a16="http://schemas.microsoft.com/office/drawing/2014/main" id="{62460A0B-1B38-42EC-81D3-5422FABEF2F9}"/>
+                <a16:creationId xmlns:a16="http://schemas.microsoft.com/office/drawing/2014/main" id="{8F9AABFB-4739-3C49-B085-76C212868DD3}"/>
               </a:ext>
             </a:extLst>
           </p:cNvPr>
           <p:cNvCxnSpPr>
             <a:cxnSpLocks/>
+            <a:stCxn id="18" idx="3"/>
+            <a:endCxn id="15" idx="2"/>
           </p:cNvCxnSpPr>
           <p:nvPr/>
         </p:nvCxnSpPr>
         <p:spPr>
-          <a:xfrm flipH="1" flipV="1">
-            <a:off x="6298248" y="1854813"/>
-            <a:ext cx="566814" cy="163245"/>
+          <a:xfrm flipV="1">
+            <a:off x="8878910" y="2870092"/>
+            <a:ext cx="429884" cy="2490367"/>
           </a:xfrm>
           <a:prstGeom prst="straightConnector1">
             <a:avLst/>
           </a:prstGeom>
-          <a:noFill/>
-          <a:ln w="25400" cap="flat">
+          <a:ln w="12700">
             <a:solidFill>
               <a:srgbClr val="FF0000"/>
             </a:solidFill>
-            <a:prstDash val="solid"/>
-            <a:round/>
+            <a:miter/>
             <a:tailEnd type="triangle"/>
           </a:ln>
-          <a:effectLst/>
-          <a:sp3d/>
-        </p:spPr>
-        <p:style>
-          <a:lnRef idx="0">
-            <a:scrgbClr r="0" g="0" b="0"/>
-          </a:lnRef>
-          <a:fillRef idx="0">
-            <a:scrgbClr r="0" g="0" b="0"/>
-          </a:fillRef>
-          <a:effectRef idx="0">
-            <a:scrgbClr r="0" g="0" b="0"/>
-          </a:effectRef>
-          <a:fontRef idx="none"/>
-        </p:style>
+        </p:spPr>
+      </p:cxnSp>
+      <p:cxnSp>
+        <p:nvCxnSpPr>
+          <p:cNvPr id="23" name="Gerade Verbindung mit Pfeil 19">
+            <a:extLst>
+              <a:ext uri="{FF2B5EF4-FFF2-40B4-BE49-F238E27FC236}">
+                <a16:creationId xmlns:a16="http://schemas.microsoft.com/office/drawing/2014/main" id="{DD6E9C92-7076-C947-A500-5F32F28C68A6}"/>
+              </a:ext>
+            </a:extLst>
+          </p:cNvPr>
+          <p:cNvCxnSpPr>
+            <a:cxnSpLocks/>
+            <a:stCxn id="18" idx="3"/>
+            <a:endCxn id="16" idx="2"/>
+          </p:cNvCxnSpPr>
+          <p:nvPr/>
+        </p:nvCxnSpPr>
+        <p:spPr>
+          <a:xfrm>
+            <a:off x="8878910" y="5360459"/>
+            <a:ext cx="344525" cy="203104"/>
+          </a:xfrm>
+          <a:prstGeom prst="straightConnector1">
+            <a:avLst/>
+          </a:prstGeom>
+          <a:ln w="12700">
+            <a:solidFill>
+              <a:srgbClr val="FF0000"/>
+            </a:solidFill>
+            <a:miter/>
+            <a:tailEnd type="triangle"/>
+          </a:ln>
+        </p:spPr>
+      </p:cxnSp>
+      <p:cxnSp>
+        <p:nvCxnSpPr>
+          <p:cNvPr id="27" name="Gerade Verbindung mit Pfeil 19">
+            <a:extLst>
+              <a:ext uri="{FF2B5EF4-FFF2-40B4-BE49-F238E27FC236}">
+                <a16:creationId xmlns:a16="http://schemas.microsoft.com/office/drawing/2014/main" id="{C4DFF581-C0D0-9240-AC3B-65F1C70148F5}"/>
+              </a:ext>
+            </a:extLst>
+          </p:cNvPr>
+          <p:cNvCxnSpPr>
+            <a:cxnSpLocks/>
+            <a:stCxn id="17" idx="3"/>
+            <a:endCxn id="14" idx="2"/>
+          </p:cNvCxnSpPr>
+          <p:nvPr/>
+        </p:nvCxnSpPr>
+        <p:spPr>
+          <a:xfrm flipV="1">
+            <a:off x="6400971" y="1981200"/>
+            <a:ext cx="342356" cy="121799"/>
+          </a:xfrm>
+          <a:prstGeom prst="straightConnector1">
+            <a:avLst/>
+          </a:prstGeom>
+          <a:ln w="12700">
+            <a:solidFill>
+              <a:srgbClr val="FF0000"/>
+            </a:solidFill>
+            <a:miter/>
+            <a:tailEnd type="triangle"/>
+          </a:ln>
+        </p:spPr>
       </p:cxnSp>
     </p:spTree>
     <p:extLst>
